--- a/PRJ311_SE1301_AS2_Group6.pptx
+++ b/PRJ311_SE1301_AS2_Group6.pptx
@@ -5,7 +5,7 @@
     <p:sldMasterId id="2147483665" r:id="rId1"/>
   </p:sldMasterIdLst>
   <p:notesMasterIdLst>
-    <p:notesMasterId r:id="rId12"/>
+    <p:notesMasterId r:id="rId14"/>
   </p:notesMasterIdLst>
   <p:sldIdLst>
     <p:sldId id="256" r:id="rId2"/>
@@ -16,8 +16,10 @@
     <p:sldId id="271" r:id="rId7"/>
     <p:sldId id="258" r:id="rId8"/>
     <p:sldId id="260" r:id="rId9"/>
-    <p:sldId id="273" r:id="rId10"/>
-    <p:sldId id="261" r:id="rId11"/>
+    <p:sldId id="274" r:id="rId10"/>
+    <p:sldId id="275" r:id="rId11"/>
+    <p:sldId id="273" r:id="rId12"/>
+    <p:sldId id="261" r:id="rId13"/>
   </p:sldIdLst>
   <p:sldSz cx="12192000" cy="6858000"/>
   <p:notesSz cx="6858000" cy="9144000"/>
@@ -6508,25 +6510,7 @@
                 <a:latin typeface="Times New Roman" panose="02020603050405020304" pitchFamily="18" charset="0"/>
                 <a:cs typeface="Times New Roman" panose="02020603050405020304" pitchFamily="18" charset="0"/>
               </a:rPr>
-              <a:t>Phan Tan Phat </a:t>
-            </a:r>
-            <a:r>
-              <a:rPr lang="en-US" sz="4400" b="1" dirty="0" smtClean="0">
-                <a:ln w="0"/>
-                <a:solidFill>
-                  <a:schemeClr val="tx1"/>
-                </a:solidFill>
-                <a:effectLst>
-                  <a:outerShdw blurRad="38100" dist="19050" dir="2700000" algn="tl" rotWithShape="0">
-                    <a:schemeClr val="dk1">
-                      <a:alpha val="40000"/>
-                    </a:schemeClr>
-                  </a:outerShdw>
-                </a:effectLst>
-                <a:latin typeface="Times New Roman" panose="02020603050405020304" pitchFamily="18" charset="0"/>
-                <a:cs typeface="Times New Roman" panose="02020603050405020304" pitchFamily="18" charset="0"/>
-              </a:rPr>
-              <a:t>CE130319(</a:t>
+              <a:t>Phan Tan Phat CE130319(</a:t>
             </a:r>
             <a:r>
               <a:rPr lang="en-US" sz="4400" b="1" dirty="0" smtClean="0">
@@ -6676,25 +6660,7 @@
                 <a:latin typeface="Times New Roman" panose="02020603050405020304" pitchFamily="18" charset="0"/>
                 <a:cs typeface="Times New Roman" panose="02020603050405020304" pitchFamily="18" charset="0"/>
               </a:rPr>
-              <a:t>Ha </a:t>
-            </a:r>
-            <a:r>
-              <a:rPr lang="en-US" sz="4400" b="1" dirty="0" smtClean="0">
-                <a:ln w="0"/>
-                <a:solidFill>
-                  <a:schemeClr val="tx1"/>
-                </a:solidFill>
-                <a:effectLst>
-                  <a:outerShdw blurRad="38100" dist="19050" dir="2700000" algn="tl" rotWithShape="0">
-                    <a:schemeClr val="dk1">
-                      <a:alpha val="40000"/>
-                    </a:schemeClr>
-                  </a:outerShdw>
-                </a:effectLst>
-                <a:latin typeface="Times New Roman" panose="02020603050405020304" pitchFamily="18" charset="0"/>
-                <a:cs typeface="Times New Roman" panose="02020603050405020304" pitchFamily="18" charset="0"/>
-              </a:rPr>
-              <a:t>Van Ngoan CE130192</a:t>
+              <a:t>Ha Van Ngoan CE130192</a:t>
             </a:r>
           </a:p>
           <a:p>
@@ -6860,6 +6826,333 @@
 </file>
 
 <file path=ppt/slides/slide10.xml><?xml version="1.0" encoding="utf-8"?>
+<p:sld xmlns:a="http://schemas.openxmlformats.org/drawingml/2006/main" xmlns:r="http://schemas.openxmlformats.org/officeDocument/2006/relationships" xmlns:p="http://schemas.openxmlformats.org/presentationml/2006/main">
+  <p:cSld>
+    <p:bg>
+      <p:bgPr>
+        <a:gradFill>
+          <a:gsLst>
+            <a:gs pos="100000">
+              <a:schemeClr val="bg1"/>
+            </a:gs>
+            <a:gs pos="100000">
+              <a:schemeClr val="accent1">
+                <a:lumMod val="30000"/>
+                <a:lumOff val="70000"/>
+              </a:schemeClr>
+            </a:gs>
+          </a:gsLst>
+          <a:lin ang="5400000" scaled="1"/>
+        </a:gradFill>
+        <a:effectLst/>
+      </p:bgPr>
+    </p:bg>
+    <p:spTree>
+      <p:nvGrpSpPr>
+        <p:cNvPr id="1" name=""/>
+        <p:cNvGrpSpPr/>
+        <p:nvPr/>
+      </p:nvGrpSpPr>
+      <p:grpSpPr>
+        <a:xfrm>
+          <a:off x="0" y="0"/>
+          <a:ext cx="0" cy="0"/>
+          <a:chOff x="0" y="0"/>
+          <a:chExt cx="0" cy="0"/>
+        </a:xfrm>
+      </p:grpSpPr>
+      <p:pic>
+        <p:nvPicPr>
+          <p:cNvPr id="7" name="Picture 6"/>
+          <p:cNvPicPr/>
+          <p:nvPr/>
+        </p:nvPicPr>
+        <p:blipFill>
+          <a:blip r:embed="rId2">
+            <a:extLst>
+              <a:ext uri="{BEBA8EAE-BF5A-486C-A8C5-ECC9F3942E4B}">
+                <a14:imgProps xmlns:a14="http://schemas.microsoft.com/office/drawing/2010/main">
+                  <a14:imgLayer r:embed="rId3">
+                    <a14:imgEffect>
+                      <a14:colorTemperature colorTemp="5300"/>
+                    </a14:imgEffect>
+                    <a14:imgEffect>
+                      <a14:saturation sat="0"/>
+                    </a14:imgEffect>
+                    <a14:imgEffect>
+                      <a14:brightnessContrast bright="20000" contrast="-40000"/>
+                    </a14:imgEffect>
+                  </a14:imgLayer>
+                </a14:imgProps>
+              </a:ext>
+              <a:ext uri="{28A0092B-C50C-407E-A947-70E740481C1C}">
+                <a14:useLocalDpi xmlns:a14="http://schemas.microsoft.com/office/drawing/2010/main" val="0"/>
+              </a:ext>
+            </a:extLst>
+          </a:blip>
+          <a:stretch>
+            <a:fillRect/>
+          </a:stretch>
+        </p:blipFill>
+        <p:spPr>
+          <a:xfrm>
+            <a:off x="618979" y="1"/>
+            <a:ext cx="8384344" cy="6858000"/>
+          </a:xfrm>
+          <a:prstGeom prst="rect">
+            <a:avLst/>
+          </a:prstGeom>
+          <a:ln>
+            <a:solidFill>
+              <a:schemeClr val="bg1"/>
+            </a:solidFill>
+          </a:ln>
+          <a:effectLst>
+            <a:outerShdw blurRad="50800" dist="50800" dir="5400000" algn="ctr" rotWithShape="0">
+              <a:schemeClr val="bg1"/>
+            </a:outerShdw>
+          </a:effectLst>
+        </p:spPr>
+      </p:pic>
+    </p:spTree>
+    <p:extLst>
+      <p:ext uri="{BB962C8B-B14F-4D97-AF65-F5344CB8AC3E}">
+        <p14:creationId xmlns:p14="http://schemas.microsoft.com/office/powerpoint/2010/main" val="3739319255"/>
+      </p:ext>
+    </p:extLst>
+  </p:cSld>
+  <p:clrMapOvr>
+    <a:masterClrMapping/>
+  </p:clrMapOvr>
+  <p:timing>
+    <p:tnLst>
+      <p:par>
+        <p:cTn id="1" dur="indefinite" restart="never" nodeType="tmRoot"/>
+      </p:par>
+    </p:tnLst>
+  </p:timing>
+</p:sld>
+</file>
+
+<file path=ppt/slides/slide11.xml><?xml version="1.0" encoding="utf-8"?>
+<p:sld xmlns:a="http://schemas.openxmlformats.org/drawingml/2006/main" xmlns:r="http://schemas.openxmlformats.org/officeDocument/2006/relationships" xmlns:p="http://schemas.openxmlformats.org/presentationml/2006/main">
+  <p:cSld>
+    <p:spTree>
+      <p:nvGrpSpPr>
+        <p:cNvPr id="1" name=""/>
+        <p:cNvGrpSpPr/>
+        <p:nvPr/>
+      </p:nvGrpSpPr>
+      <p:grpSpPr>
+        <a:xfrm>
+          <a:off x="0" y="0"/>
+          <a:ext cx="0" cy="0"/>
+          <a:chOff x="0" y="0"/>
+          <a:chExt cx="0" cy="0"/>
+        </a:xfrm>
+      </p:grpSpPr>
+      <p:sp>
+        <p:nvSpPr>
+          <p:cNvPr id="2" name="Title 1"/>
+          <p:cNvSpPr>
+            <a:spLocks noGrp="1"/>
+          </p:cNvSpPr>
+          <p:nvPr>
+            <p:ph type="title"/>
+          </p:nvPr>
+        </p:nvSpPr>
+        <p:spPr>
+          <a:xfrm>
+            <a:off x="3041712" y="2817223"/>
+            <a:ext cx="3750974" cy="1320800"/>
+          </a:xfrm>
+        </p:spPr>
+        <p:txBody>
+          <a:bodyPr>
+            <a:normAutofit/>
+          </a:bodyPr>
+          <a:lstStyle/>
+          <a:p>
+            <a:pPr algn="ctr"/>
+            <a:r>
+              <a:rPr lang="en-US" sz="8000" b="1" i="1" dirty="0" smtClean="0">
+                <a:ln>
+                  <a:solidFill>
+                    <a:srgbClr val="00B050"/>
+                  </a:solidFill>
+                </a:ln>
+                <a:solidFill>
+                  <a:srgbClr val="92D050"/>
+                </a:solidFill>
+                <a:latin typeface="Times New Roman" panose="02020603050405020304" pitchFamily="18" charset="0"/>
+                <a:cs typeface="Times New Roman" panose="02020603050405020304" pitchFamily="18" charset="0"/>
+              </a:rPr>
+              <a:t>Demo</a:t>
+            </a:r>
+            <a:endParaRPr lang="en-US" sz="8000" b="1" i="1" dirty="0">
+              <a:ln>
+                <a:solidFill>
+                  <a:srgbClr val="00B050"/>
+                </a:solidFill>
+              </a:ln>
+              <a:solidFill>
+                <a:srgbClr val="92D050"/>
+              </a:solidFill>
+              <a:latin typeface="Times New Roman" panose="02020603050405020304" pitchFamily="18" charset="0"/>
+              <a:cs typeface="Times New Roman" panose="02020603050405020304" pitchFamily="18" charset="0"/>
+            </a:endParaRPr>
+          </a:p>
+        </p:txBody>
+      </p:sp>
+    </p:spTree>
+    <p:extLst>
+      <p:ext uri="{BB962C8B-B14F-4D97-AF65-F5344CB8AC3E}">
+        <p14:creationId xmlns:p14="http://schemas.microsoft.com/office/powerpoint/2010/main" val="2535370443"/>
+      </p:ext>
+    </p:extLst>
+  </p:cSld>
+  <p:clrMapOvr>
+    <a:masterClrMapping/>
+  </p:clrMapOvr>
+  <p:transition spd="slow">
+    <p:push dir="u"/>
+  </p:transition>
+  <p:timing>
+    <p:tnLst>
+      <p:par>
+        <p:cTn id="1" dur="indefinite" restart="never" nodeType="tmRoot">
+          <p:childTnLst>
+            <p:seq concurrent="1" nextAc="seek">
+              <p:cTn id="2" dur="indefinite" nodeType="mainSeq">
+                <p:childTnLst>
+                  <p:par>
+                    <p:cTn id="3" fill="hold">
+                      <p:stCondLst>
+                        <p:cond delay="indefinite"/>
+                      </p:stCondLst>
+                      <p:childTnLst>
+                        <p:par>
+                          <p:cTn id="4" fill="hold">
+                            <p:stCondLst>
+                              <p:cond delay="0"/>
+                            </p:stCondLst>
+                            <p:childTnLst>
+                              <p:par>
+                                <p:cTn id="5" presetID="42" presetClass="entr" presetSubtype="0" fill="hold" grpId="0" nodeType="clickEffect">
+                                  <p:stCondLst>
+                                    <p:cond delay="0"/>
+                                  </p:stCondLst>
+                                  <p:childTnLst>
+                                    <p:set>
+                                      <p:cBhvr>
+                                        <p:cTn id="6" dur="1" fill="hold">
+                                          <p:stCondLst>
+                                            <p:cond delay="0"/>
+                                          </p:stCondLst>
+                                        </p:cTn>
+                                        <p:tgtEl>
+                                          <p:spTgt spid="2"/>
+                                        </p:tgtEl>
+                                        <p:attrNameLst>
+                                          <p:attrName>style.visibility</p:attrName>
+                                        </p:attrNameLst>
+                                      </p:cBhvr>
+                                      <p:to>
+                                        <p:strVal val="visible"/>
+                                      </p:to>
+                                    </p:set>
+                                    <p:animEffect transition="in" filter="fade">
+                                      <p:cBhvr>
+                                        <p:cTn id="7" dur="1000"/>
+                                        <p:tgtEl>
+                                          <p:spTgt spid="2"/>
+                                        </p:tgtEl>
+                                      </p:cBhvr>
+                                    </p:animEffect>
+                                    <p:anim calcmode="lin" valueType="num">
+                                      <p:cBhvr>
+                                        <p:cTn id="8" dur="1000" fill="hold"/>
+                                        <p:tgtEl>
+                                          <p:spTgt spid="2"/>
+                                        </p:tgtEl>
+                                        <p:attrNameLst>
+                                          <p:attrName>ppt_x</p:attrName>
+                                        </p:attrNameLst>
+                                      </p:cBhvr>
+                                      <p:tavLst>
+                                        <p:tav tm="0">
+                                          <p:val>
+                                            <p:strVal val="#ppt_x"/>
+                                          </p:val>
+                                        </p:tav>
+                                        <p:tav tm="100000">
+                                          <p:val>
+                                            <p:strVal val="#ppt_x"/>
+                                          </p:val>
+                                        </p:tav>
+                                      </p:tavLst>
+                                    </p:anim>
+                                    <p:anim calcmode="lin" valueType="num">
+                                      <p:cBhvr>
+                                        <p:cTn id="9" dur="1000" fill="hold"/>
+                                        <p:tgtEl>
+                                          <p:spTgt spid="2"/>
+                                        </p:tgtEl>
+                                        <p:attrNameLst>
+                                          <p:attrName>ppt_y</p:attrName>
+                                        </p:attrNameLst>
+                                      </p:cBhvr>
+                                      <p:tavLst>
+                                        <p:tav tm="0">
+                                          <p:val>
+                                            <p:strVal val="#ppt_y+.1"/>
+                                          </p:val>
+                                        </p:tav>
+                                        <p:tav tm="100000">
+                                          <p:val>
+                                            <p:strVal val="#ppt_y"/>
+                                          </p:val>
+                                        </p:tav>
+                                      </p:tavLst>
+                                    </p:anim>
+                                  </p:childTnLst>
+                                </p:cTn>
+                              </p:par>
+                            </p:childTnLst>
+                          </p:cTn>
+                        </p:par>
+                      </p:childTnLst>
+                    </p:cTn>
+                  </p:par>
+                </p:childTnLst>
+              </p:cTn>
+              <p:prevCondLst>
+                <p:cond evt="onPrev" delay="0">
+                  <p:tgtEl>
+                    <p:sldTgt/>
+                  </p:tgtEl>
+                </p:cond>
+              </p:prevCondLst>
+              <p:nextCondLst>
+                <p:cond evt="onNext" delay="0">
+                  <p:tgtEl>
+                    <p:sldTgt/>
+                  </p:tgtEl>
+                </p:cond>
+              </p:nextCondLst>
+            </p:seq>
+          </p:childTnLst>
+        </p:cTn>
+      </p:par>
+    </p:tnLst>
+    <p:bldLst>
+      <p:bldP spid="2" grpId="0"/>
+    </p:bldLst>
+  </p:timing>
+</p:sld>
+</file>
+
+<file path=ppt/slides/slide12.xml><?xml version="1.0" encoding="utf-8"?>
 <p:sld xmlns:a="http://schemas.openxmlformats.org/drawingml/2006/main" xmlns:r="http://schemas.openxmlformats.org/officeDocument/2006/relationships" xmlns:p="http://schemas.openxmlformats.org/presentationml/2006/main">
   <p:cSld>
     <p:spTree>
@@ -9240,35 +9533,8 @@
                 <a:latin typeface="Times New Roman" panose="02020603050405020304" pitchFamily="18" charset="0"/>
                 <a:cs typeface="Times New Roman" panose="02020603050405020304" pitchFamily="18" charset="0"/>
               </a:rPr>
-              <a:t>HDD</a:t>
-            </a:r>
-            <a:r>
-              <a:rPr lang="en-US" sz="2400" b="1" dirty="0" smtClean="0">
-                <a:solidFill>
-                  <a:sysClr val="windowText" lastClr="000000"/>
-                </a:solidFill>
-                <a:latin typeface="Times New Roman" panose="02020603050405020304" pitchFamily="18" charset="0"/>
-                <a:cs typeface="Times New Roman" panose="02020603050405020304" pitchFamily="18" charset="0"/>
-              </a:rPr>
-              <a:t>: </a:t>
-            </a:r>
-            <a:r>
-              <a:rPr lang="en-US" sz="2400" b="1" dirty="0" smtClean="0">
-                <a:solidFill>
-                  <a:sysClr val="windowText" lastClr="000000"/>
-                </a:solidFill>
-                <a:latin typeface="Times New Roman" panose="02020603050405020304" pitchFamily="18" charset="0"/>
-                <a:cs typeface="Times New Roman" panose="02020603050405020304" pitchFamily="18" charset="0"/>
-              </a:rPr>
-              <a:t>10GB</a:t>
-            </a:r>
-            <a:endParaRPr lang="en-US" sz="2400" b="1" dirty="0" smtClean="0">
-              <a:solidFill>
-                <a:sysClr val="windowText" lastClr="000000"/>
-              </a:solidFill>
-              <a:latin typeface="Times New Roman" panose="02020603050405020304" pitchFamily="18" charset="0"/>
-              <a:cs typeface="Times New Roman" panose="02020603050405020304" pitchFamily="18" charset="0"/>
-            </a:endParaRPr>
+              <a:t>HDD: 10GB</a:t>
+            </a:r>
           </a:p>
           <a:p>
             <a:pPr>
@@ -9303,27 +9569,7 @@
                 <a:latin typeface="Times New Roman" panose="02020603050405020304" pitchFamily="18" charset="0"/>
                 <a:cs typeface="Times New Roman" panose="02020603050405020304" pitchFamily="18" charset="0"/>
               </a:rPr>
-              <a:t>CPU: </a:t>
-            </a:r>
-            <a:r>
-              <a:rPr lang="en-US" sz="2200" b="1" dirty="0" smtClean="0">
-                <a:solidFill>
-                  <a:sysClr val="windowText" lastClr="000000"/>
-                </a:solidFill>
-                <a:latin typeface="Times New Roman" panose="02020603050405020304" pitchFamily="18" charset="0"/>
-                <a:cs typeface="Times New Roman" panose="02020603050405020304" pitchFamily="18" charset="0"/>
-              </a:rPr>
-              <a:t>Quad-Core Q6600 </a:t>
-            </a:r>
-            <a:r>
-              <a:rPr lang="en-US" sz="2200" b="1" dirty="0" smtClean="0">
-                <a:solidFill>
-                  <a:sysClr val="windowText" lastClr="000000"/>
-                </a:solidFill>
-                <a:latin typeface="Times New Roman" panose="02020603050405020304" pitchFamily="18" charset="0"/>
-                <a:cs typeface="Times New Roman" panose="02020603050405020304" pitchFamily="18" charset="0"/>
-              </a:rPr>
-              <a:t>or higher</a:t>
+              <a:t>CPU: Quad-Core Q6600 or higher</a:t>
             </a:r>
           </a:p>
           <a:p>
@@ -10451,17 +10697,7 @@
                 <a:latin typeface="Times New Roman" panose="02020603050405020304" pitchFamily="18" charset="0"/>
                 <a:cs typeface="Times New Roman" panose="02020603050405020304" pitchFamily="18" charset="0"/>
               </a:rPr>
-              <a:t>JRE: </a:t>
-            </a:r>
-            <a:r>
-              <a:rPr lang="en-US" sz="2400" b="1" dirty="0" smtClean="0">
-                <a:solidFill>
-                  <a:sysClr val="windowText" lastClr="000000"/>
-                </a:solidFill>
-                <a:latin typeface="Times New Roman" panose="02020603050405020304" pitchFamily="18" charset="0"/>
-                <a:cs typeface="Times New Roman" panose="02020603050405020304" pitchFamily="18" charset="0"/>
-              </a:rPr>
-              <a:t>1.8 or higher</a:t>
+              <a:t>JRE: 1.8 or higher</a:t>
             </a:r>
           </a:p>
           <a:p>
@@ -10507,25 +10743,8 @@
                 <a:latin typeface="Times New Roman" panose="02020603050405020304" pitchFamily="18" charset="0"/>
                 <a:cs typeface="Times New Roman" panose="02020603050405020304" pitchFamily="18" charset="0"/>
               </a:rPr>
-              <a:t>Windows Server </a:t>
-            </a:r>
-            <a:r>
-              <a:rPr lang="en-US" sz="2400" b="1" dirty="0" smtClean="0">
-                <a:solidFill>
-                  <a:sysClr val="windowText" lastClr="000000"/>
-                </a:solidFill>
-                <a:latin typeface="Times New Roman" panose="02020603050405020304" pitchFamily="18" charset="0"/>
-                <a:cs typeface="Times New Roman" panose="02020603050405020304" pitchFamily="18" charset="0"/>
-              </a:rPr>
-              <a:t>2008 or higher</a:t>
-            </a:r>
-            <a:endParaRPr lang="en-US" sz="2400" b="1" dirty="0" smtClean="0">
-              <a:solidFill>
-                <a:sysClr val="windowText" lastClr="000000"/>
-              </a:solidFill>
-              <a:latin typeface="Times New Roman" panose="02020603050405020304" pitchFamily="18" charset="0"/>
-              <a:cs typeface="Times New Roman" panose="02020603050405020304" pitchFamily="18" charset="0"/>
-            </a:endParaRPr>
+              <a:t>Windows Server 2008 or higher</a:t>
+            </a:r>
           </a:p>
           <a:p>
             <a:pPr lvl="1">
@@ -10543,17 +10762,7 @@
                 <a:latin typeface="Times New Roman" panose="02020603050405020304" pitchFamily="18" charset="0"/>
                 <a:cs typeface="Times New Roman" panose="02020603050405020304" pitchFamily="18" charset="0"/>
               </a:rPr>
-              <a:t>Database system: Microsoft </a:t>
-            </a:r>
-            <a:r>
-              <a:rPr lang="en-US" sz="2400" b="1" dirty="0" smtClean="0">
-                <a:solidFill>
-                  <a:sysClr val="windowText" lastClr="000000"/>
-                </a:solidFill>
-                <a:latin typeface="Times New Roman" panose="02020603050405020304" pitchFamily="18" charset="0"/>
-                <a:cs typeface="Times New Roman" panose="02020603050405020304" pitchFamily="18" charset="0"/>
-              </a:rPr>
-              <a:t>SQL server 2017</a:t>
+              <a:t>Database system: Microsoft SQL server 2017</a:t>
             </a:r>
           </a:p>
           <a:p>
@@ -13134,6 +13343,25 @@
 <file path=ppt/slides/slide9.xml><?xml version="1.0" encoding="utf-8"?>
 <p:sld xmlns:a="http://schemas.openxmlformats.org/drawingml/2006/main" xmlns:r="http://schemas.openxmlformats.org/officeDocument/2006/relationships" xmlns:p="http://schemas.openxmlformats.org/presentationml/2006/main">
   <p:cSld>
+    <p:bg>
+      <p:bgPr>
+        <a:gradFill>
+          <a:gsLst>
+            <a:gs pos="100000">
+              <a:schemeClr val="bg1"/>
+            </a:gs>
+            <a:gs pos="100000">
+              <a:schemeClr val="accent1">
+                <a:lumMod val="30000"/>
+                <a:lumOff val="70000"/>
+              </a:schemeClr>
+            </a:gs>
+          </a:gsLst>
+          <a:lin ang="5400000" scaled="1"/>
+        </a:gradFill>
+        <a:effectLst/>
+      </p:bgPr>
+    </p:bg>
     <p:spTree>
       <p:nvGrpSpPr>
         <p:cNvPr id="1" name=""/>
@@ -13160,8 +13388,8 @@
         </p:nvSpPr>
         <p:spPr>
           <a:xfrm>
-            <a:off x="3041712" y="2817223"/>
-            <a:ext cx="3750974" cy="1320800"/>
+            <a:off x="3128629" y="144361"/>
+            <a:ext cx="3215901" cy="722811"/>
           </a:xfrm>
         </p:spPr>
         <p:txBody>
@@ -13170,181 +13398,100 @@
           </a:bodyPr>
           <a:lstStyle/>
           <a:p>
-            <a:pPr algn="ctr"/>
-            <a:r>
-              <a:rPr lang="en-US" sz="8000" b="1" i="1" dirty="0" smtClean="0">
+            <a:r>
+              <a:rPr lang="en-US" b="1" dirty="0" smtClean="0">
                 <a:ln>
                   <a:solidFill>
                     <a:srgbClr val="00B050"/>
                   </a:solidFill>
                 </a:ln>
-                <a:solidFill>
-                  <a:srgbClr val="92D050"/>
-                </a:solidFill>
                 <a:latin typeface="Times New Roman" panose="02020603050405020304" pitchFamily="18" charset="0"/>
                 <a:cs typeface="Times New Roman" panose="02020603050405020304" pitchFamily="18" charset="0"/>
               </a:rPr>
-              <a:t>Demo</a:t>
-            </a:r>
-            <a:endParaRPr lang="en-US" sz="8000" b="1" i="1" dirty="0">
+              <a:t>Class diagram</a:t>
+            </a:r>
+            <a:endParaRPr lang="en-US" b="1" dirty="0">
               <a:ln>
                 <a:solidFill>
                   <a:srgbClr val="00B050"/>
                 </a:solidFill>
               </a:ln>
-              <a:solidFill>
-                <a:srgbClr val="92D050"/>
-              </a:solidFill>
               <a:latin typeface="Times New Roman" panose="02020603050405020304" pitchFamily="18" charset="0"/>
               <a:cs typeface="Times New Roman" panose="02020603050405020304" pitchFamily="18" charset="0"/>
             </a:endParaRPr>
           </a:p>
         </p:txBody>
       </p:sp>
+      <p:pic>
+        <p:nvPicPr>
+          <p:cNvPr id="4" name="Content Placeholder 3"/>
+          <p:cNvPicPr>
+            <a:picLocks noGrp="1"/>
+          </p:cNvPicPr>
+          <p:nvPr>
+            <p:ph idx="1"/>
+          </p:nvPr>
+        </p:nvPicPr>
+        <p:blipFill>
+          <a:blip r:embed="rId2">
+            <a:grayscl/>
+            <a:extLst>
+              <a:ext uri="{BEBA8EAE-BF5A-486C-A8C5-ECC9F3942E4B}">
+                <a14:imgProps xmlns:a14="http://schemas.microsoft.com/office/drawing/2010/main">
+                  <a14:imgLayer r:embed="rId3">
+                    <a14:imgEffect>
+                      <a14:saturation sat="300000"/>
+                    </a14:imgEffect>
+                    <a14:imgEffect>
+                      <a14:brightnessContrast bright="20000" contrast="-40000"/>
+                    </a14:imgEffect>
+                  </a14:imgLayer>
+                </a14:imgProps>
+              </a:ext>
+              <a:ext uri="{28A0092B-C50C-407E-A947-70E740481C1C}">
+                <a14:useLocalDpi xmlns:a14="http://schemas.microsoft.com/office/drawing/2010/main" val="0"/>
+              </a:ext>
+            </a:extLst>
+          </a:blip>
+          <a:stretch>
+            <a:fillRect/>
+          </a:stretch>
+        </p:blipFill>
+        <p:spPr>
+          <a:xfrm>
+            <a:off x="380832" y="740563"/>
+            <a:ext cx="8960115" cy="5521570"/>
+          </a:xfrm>
+          <a:prstGeom prst="rect">
+            <a:avLst/>
+          </a:prstGeom>
+          <a:solidFill>
+            <a:schemeClr val="bg1"/>
+          </a:solidFill>
+          <a:ln>
+            <a:solidFill>
+              <a:schemeClr val="bg1"/>
+            </a:solidFill>
+          </a:ln>
+          <a:effectLst/>
+        </p:spPr>
+      </p:pic>
     </p:spTree>
     <p:extLst>
       <p:ext uri="{BB962C8B-B14F-4D97-AF65-F5344CB8AC3E}">
-        <p14:creationId xmlns:p14="http://schemas.microsoft.com/office/powerpoint/2010/main" val="2535370443"/>
+        <p14:creationId xmlns:p14="http://schemas.microsoft.com/office/powerpoint/2010/main" val="4129971086"/>
       </p:ext>
     </p:extLst>
   </p:cSld>
   <p:clrMapOvr>
     <a:masterClrMapping/>
   </p:clrMapOvr>
-  <p:transition spd="slow">
-    <p:push dir="u"/>
-  </p:transition>
   <p:timing>
     <p:tnLst>
       <p:par>
-        <p:cTn id="1" dur="indefinite" restart="never" nodeType="tmRoot">
-          <p:childTnLst>
-            <p:seq concurrent="1" nextAc="seek">
-              <p:cTn id="2" dur="indefinite" nodeType="mainSeq">
-                <p:childTnLst>
-                  <p:par>
-                    <p:cTn id="3" fill="hold">
-                      <p:stCondLst>
-                        <p:cond delay="indefinite"/>
-                      </p:stCondLst>
-                      <p:childTnLst>
-                        <p:par>
-                          <p:cTn id="4" fill="hold">
-                            <p:stCondLst>
-                              <p:cond delay="0"/>
-                            </p:stCondLst>
-                            <p:childTnLst>
-                              <p:par>
-                                <p:cTn id="5" presetID="42" presetClass="entr" presetSubtype="0" fill="hold" grpId="0" nodeType="clickEffect">
-                                  <p:stCondLst>
-                                    <p:cond delay="0"/>
-                                  </p:stCondLst>
-                                  <p:childTnLst>
-                                    <p:set>
-                                      <p:cBhvr>
-                                        <p:cTn id="6" dur="1" fill="hold">
-                                          <p:stCondLst>
-                                            <p:cond delay="0"/>
-                                          </p:stCondLst>
-                                        </p:cTn>
-                                        <p:tgtEl>
-                                          <p:spTgt spid="2"/>
-                                        </p:tgtEl>
-                                        <p:attrNameLst>
-                                          <p:attrName>style.visibility</p:attrName>
-                                        </p:attrNameLst>
-                                      </p:cBhvr>
-                                      <p:to>
-                                        <p:strVal val="visible"/>
-                                      </p:to>
-                                    </p:set>
-                                    <p:animEffect transition="in" filter="fade">
-                                      <p:cBhvr>
-                                        <p:cTn id="7" dur="1000"/>
-                                        <p:tgtEl>
-                                          <p:spTgt spid="2"/>
-                                        </p:tgtEl>
-                                      </p:cBhvr>
-                                    </p:animEffect>
-                                    <p:anim calcmode="lin" valueType="num">
-                                      <p:cBhvr>
-                                        <p:cTn id="8" dur="1000" fill="hold"/>
-                                        <p:tgtEl>
-                                          <p:spTgt spid="2"/>
-                                        </p:tgtEl>
-                                        <p:attrNameLst>
-                                          <p:attrName>ppt_x</p:attrName>
-                                        </p:attrNameLst>
-                                      </p:cBhvr>
-                                      <p:tavLst>
-                                        <p:tav tm="0">
-                                          <p:val>
-                                            <p:strVal val="#ppt_x"/>
-                                          </p:val>
-                                        </p:tav>
-                                        <p:tav tm="100000">
-                                          <p:val>
-                                            <p:strVal val="#ppt_x"/>
-                                          </p:val>
-                                        </p:tav>
-                                      </p:tavLst>
-                                    </p:anim>
-                                    <p:anim calcmode="lin" valueType="num">
-                                      <p:cBhvr>
-                                        <p:cTn id="9" dur="1000" fill="hold"/>
-                                        <p:tgtEl>
-                                          <p:spTgt spid="2"/>
-                                        </p:tgtEl>
-                                        <p:attrNameLst>
-                                          <p:attrName>ppt_y</p:attrName>
-                                        </p:attrNameLst>
-                                      </p:cBhvr>
-                                      <p:tavLst>
-                                        <p:tav tm="0">
-                                          <p:val>
-                                            <p:strVal val="#ppt_y+.1"/>
-                                          </p:val>
-                                        </p:tav>
-                                        <p:tav tm="100000">
-                                          <p:val>
-                                            <p:strVal val="#ppt_y"/>
-                                          </p:val>
-                                        </p:tav>
-                                      </p:tavLst>
-                                    </p:anim>
-                                  </p:childTnLst>
-                                </p:cTn>
-                              </p:par>
-                            </p:childTnLst>
-                          </p:cTn>
-                        </p:par>
-                      </p:childTnLst>
-                    </p:cTn>
-                  </p:par>
-                </p:childTnLst>
-              </p:cTn>
-              <p:prevCondLst>
-                <p:cond evt="onPrev" delay="0">
-                  <p:tgtEl>
-                    <p:sldTgt/>
-                  </p:tgtEl>
-                </p:cond>
-              </p:prevCondLst>
-              <p:nextCondLst>
-                <p:cond evt="onNext" delay="0">
-                  <p:tgtEl>
-                    <p:sldTgt/>
-                  </p:tgtEl>
-                </p:cond>
-              </p:nextCondLst>
-            </p:seq>
-          </p:childTnLst>
-        </p:cTn>
+        <p:cTn id="1" dur="indefinite" restart="never" nodeType="tmRoot"/>
       </p:par>
     </p:tnLst>
-    <p:bldLst>
-      <p:bldP spid="2" grpId="0"/>
-    </p:bldLst>
   </p:timing>
 </p:sld>
 </file>

--- a/PRJ311_SE1301_AS2_Group6.pptx
+++ b/PRJ311_SE1301_AS2_Group6.pptx
@@ -211,7 +211,7 @@
           <a:p>
             <a:fld id="{C2195869-5BB7-4726-816F-472DF05B3ADC}" type="datetimeFigureOut">
               <a:rPr lang="en-US" smtClean="0"/>
-              <a:t>3/24/2019</a:t>
+              <a:t>3/31/2019</a:t>
             </a:fld>
             <a:endParaRPr lang="en-US"/>
           </a:p>
@@ -275,38 +275,37 @@
           <a:p>
             <a:pPr lvl="0"/>
             <a:r>
-              <a:rPr lang="en-US" smtClean="0"/>
+              <a:rPr lang="en-US"/>
               <a:t>Edit Master text styles</a:t>
             </a:r>
           </a:p>
           <a:p>
             <a:pPr lvl="1"/>
             <a:r>
-              <a:rPr lang="en-US" smtClean="0"/>
+              <a:rPr lang="en-US"/>
               <a:t>Second level</a:t>
             </a:r>
           </a:p>
           <a:p>
             <a:pPr lvl="2"/>
             <a:r>
-              <a:rPr lang="en-US" smtClean="0"/>
+              <a:rPr lang="en-US"/>
               <a:t>Third level</a:t>
             </a:r>
           </a:p>
           <a:p>
             <a:pPr lvl="3"/>
             <a:r>
-              <a:rPr lang="en-US" smtClean="0"/>
+              <a:rPr lang="en-US"/>
               <a:t>Fourth level</a:t>
             </a:r>
           </a:p>
           <a:p>
             <a:pPr lvl="4"/>
             <a:r>
-              <a:rPr lang="en-US" smtClean="0"/>
+              <a:rPr lang="en-US"/>
               <a:t>Fifth level</a:t>
             </a:r>
-            <a:endParaRPr lang="en-US"/>
           </a:p>
         </p:txBody>
       </p:sp>
@@ -1141,7 +1140,7 @@
           </a:lstStyle>
           <a:p>
             <a:r>
-              <a:rPr lang="en-US" smtClean="0"/>
+              <a:rPr lang="en-US"/>
               <a:t>Click to edit Master title style</a:t>
             </a:r>
             <a:endParaRPr lang="en-US" dirty="0"/>
@@ -1261,7 +1260,7 @@
           </a:lstStyle>
           <a:p>
             <a:r>
-              <a:rPr lang="en-US" smtClean="0"/>
+              <a:rPr lang="en-US"/>
               <a:t>Click to edit Master subtitle style</a:t>
             </a:r>
             <a:endParaRPr lang="en-US" dirty="0"/>
@@ -1286,7 +1285,7 @@
             <a:fld id="{B61BEF0D-F0BB-DE4B-95CE-6DB70DBA9567}" type="datetimeFigureOut">
               <a:rPr lang="en-US" smtClean="0"/>
               <a:pPr/>
-              <a:t>3/24/2019</a:t>
+              <a:t>3/31/2019</a:t>
             </a:fld>
             <a:endParaRPr lang="en-US" dirty="0"/>
           </a:p>
@@ -1392,7 +1391,7 @@
           </a:lstStyle>
           <a:p>
             <a:r>
-              <a:rPr lang="en-US" smtClean="0"/>
+              <a:rPr lang="en-US"/>
               <a:t>Click to edit Master title style</a:t>
             </a:r>
             <a:endParaRPr lang="en-US" dirty="0"/>
@@ -1515,7 +1514,7 @@
           <a:p>
             <a:pPr lvl="0"/>
             <a:r>
-              <a:rPr lang="en-US" smtClean="0"/>
+              <a:rPr lang="en-US"/>
               <a:t>Edit Master text styles</a:t>
             </a:r>
           </a:p>
@@ -1539,7 +1538,7 @@
             <a:fld id="{B61BEF0D-F0BB-DE4B-95CE-6DB70DBA9567}" type="datetimeFigureOut">
               <a:rPr lang="en-US" smtClean="0"/>
               <a:pPr/>
-              <a:t>3/24/2019</a:t>
+              <a:t>3/31/2019</a:t>
             </a:fld>
             <a:endParaRPr lang="en-US" dirty="0"/>
           </a:p>
@@ -1645,7 +1644,7 @@
           </a:lstStyle>
           <a:p>
             <a:r>
-              <a:rPr lang="en-US" smtClean="0"/>
+              <a:rPr lang="en-US"/>
               <a:t>Click to edit Master title style</a:t>
             </a:r>
             <a:endParaRPr lang="en-US" dirty="0"/>
@@ -1709,7 +1708,7 @@
           <a:p>
             <a:pPr lvl="0"/>
             <a:r>
-              <a:rPr lang="en-US" smtClean="0"/>
+              <a:rPr lang="en-US"/>
               <a:t>Edit Master text styles</a:t>
             </a:r>
           </a:p>
@@ -1831,7 +1830,7 @@
           <a:p>
             <a:pPr lvl="0"/>
             <a:r>
-              <a:rPr lang="en-US" smtClean="0"/>
+              <a:rPr lang="en-US"/>
               <a:t>Edit Master text styles</a:t>
             </a:r>
           </a:p>
@@ -1855,7 +1854,7 @@
             <a:fld id="{B61BEF0D-F0BB-DE4B-95CE-6DB70DBA9567}" type="datetimeFigureOut">
               <a:rPr lang="en-US" smtClean="0"/>
               <a:pPr/>
-              <a:t>3/24/2019</a:t>
+              <a:t>3/31/2019</a:t>
             </a:fld>
             <a:endParaRPr lang="en-US" dirty="0"/>
           </a:p>
@@ -2051,7 +2050,7 @@
           </a:lstStyle>
           <a:p>
             <a:r>
-              <a:rPr lang="en-US" smtClean="0"/>
+              <a:rPr lang="en-US"/>
               <a:t>Click to edit Master title style</a:t>
             </a:r>
             <a:endParaRPr lang="en-US" dirty="0"/>
@@ -2174,7 +2173,7 @@
           <a:p>
             <a:pPr lvl="0"/>
             <a:r>
-              <a:rPr lang="en-US" smtClean="0"/>
+              <a:rPr lang="en-US"/>
               <a:t>Edit Master text styles</a:t>
             </a:r>
           </a:p>
@@ -2198,7 +2197,7 @@
             <a:fld id="{B61BEF0D-F0BB-DE4B-95CE-6DB70DBA9567}" type="datetimeFigureOut">
               <a:rPr lang="en-US" smtClean="0"/>
               <a:pPr/>
-              <a:t>3/24/2019</a:t>
+              <a:t>3/31/2019</a:t>
             </a:fld>
             <a:endParaRPr lang="en-US" dirty="0"/>
           </a:p>
@@ -2304,7 +2303,7 @@
           </a:lstStyle>
           <a:p>
             <a:r>
-              <a:rPr lang="en-US" smtClean="0"/>
+              <a:rPr lang="en-US"/>
               <a:t>Click to edit Master title style</a:t>
             </a:r>
             <a:endParaRPr lang="en-US" dirty="0"/>
@@ -2368,7 +2367,7 @@
           <a:p>
             <a:pPr lvl="0"/>
             <a:r>
-              <a:rPr lang="en-US" smtClean="0"/>
+              <a:rPr lang="en-US"/>
               <a:t>Edit Master text styles</a:t>
             </a:r>
           </a:p>
@@ -2490,7 +2489,7 @@
           <a:p>
             <a:pPr lvl="0"/>
             <a:r>
-              <a:rPr lang="en-US" smtClean="0"/>
+              <a:rPr lang="en-US"/>
               <a:t>Edit Master text styles</a:t>
             </a:r>
           </a:p>
@@ -2514,7 +2513,7 @@
             <a:fld id="{B61BEF0D-F0BB-DE4B-95CE-6DB70DBA9567}" type="datetimeFigureOut">
               <a:rPr lang="en-US" smtClean="0"/>
               <a:pPr/>
-              <a:t>3/24/2019</a:t>
+              <a:t>3/31/2019</a:t>
             </a:fld>
             <a:endParaRPr lang="en-US" dirty="0"/>
           </a:p>
@@ -2702,7 +2701,7 @@
           </a:lstStyle>
           <a:p>
             <a:r>
-              <a:rPr lang="en-US" smtClean="0"/>
+              <a:rPr lang="en-US"/>
               <a:t>Click to edit Master title style</a:t>
             </a:r>
             <a:endParaRPr lang="en-US" dirty="0"/>
@@ -2763,7 +2762,7 @@
           <a:p>
             <a:pPr lvl="0"/>
             <a:r>
-              <a:rPr lang="en-US" smtClean="0"/>
+              <a:rPr lang="en-US"/>
               <a:t>Edit Master text styles</a:t>
             </a:r>
           </a:p>
@@ -2885,7 +2884,7 @@
           <a:p>
             <a:pPr lvl="0"/>
             <a:r>
-              <a:rPr lang="en-US" smtClean="0"/>
+              <a:rPr lang="en-US"/>
               <a:t>Edit Master text styles</a:t>
             </a:r>
           </a:p>
@@ -2909,7 +2908,7 @@
             <a:fld id="{B61BEF0D-F0BB-DE4B-95CE-6DB70DBA9567}" type="datetimeFigureOut">
               <a:rPr lang="en-US" smtClean="0"/>
               <a:pPr/>
-              <a:t>3/24/2019</a:t>
+              <a:t>3/31/2019</a:t>
             </a:fld>
             <a:endParaRPr lang="en-US" dirty="0"/>
           </a:p>
@@ -3004,7 +3003,7 @@
           <a:lstStyle/>
           <a:p>
             <a:r>
-              <a:rPr lang="en-US" smtClean="0"/>
+              <a:rPr lang="en-US"/>
               <a:t>Click to edit Master title style</a:t>
             </a:r>
             <a:endParaRPr lang="en-US" dirty="0"/>
@@ -3028,35 +3027,35 @@
           <a:p>
             <a:pPr lvl="0"/>
             <a:r>
-              <a:rPr lang="en-US" smtClean="0"/>
+              <a:rPr lang="en-US"/>
               <a:t>Edit Master text styles</a:t>
             </a:r>
           </a:p>
           <a:p>
             <a:pPr lvl="1"/>
             <a:r>
-              <a:rPr lang="en-US" smtClean="0"/>
+              <a:rPr lang="en-US"/>
               <a:t>Second level</a:t>
             </a:r>
           </a:p>
           <a:p>
             <a:pPr lvl="2"/>
             <a:r>
-              <a:rPr lang="en-US" smtClean="0"/>
+              <a:rPr lang="en-US"/>
               <a:t>Third level</a:t>
             </a:r>
           </a:p>
           <a:p>
             <a:pPr lvl="3"/>
             <a:r>
-              <a:rPr lang="en-US" smtClean="0"/>
+              <a:rPr lang="en-US"/>
               <a:t>Fourth level</a:t>
             </a:r>
           </a:p>
           <a:p>
             <a:pPr lvl="4"/>
             <a:r>
-              <a:rPr lang="en-US" smtClean="0"/>
+              <a:rPr lang="en-US"/>
               <a:t>Fifth level</a:t>
             </a:r>
             <a:endParaRPr lang="en-US" dirty="0"/>
@@ -3081,7 +3080,7 @@
             <a:fld id="{B61BEF0D-F0BB-DE4B-95CE-6DB70DBA9567}" type="datetimeFigureOut">
               <a:rPr lang="en-US" smtClean="0"/>
               <a:pPr/>
-              <a:t>3/24/2019</a:t>
+              <a:t>3/31/2019</a:t>
             </a:fld>
             <a:endParaRPr lang="en-US" dirty="0"/>
           </a:p>
@@ -3181,7 +3180,7 @@
           <a:lstStyle/>
           <a:p>
             <a:r>
-              <a:rPr lang="en-US" smtClean="0"/>
+              <a:rPr lang="en-US"/>
               <a:t>Click to edit Master title style</a:t>
             </a:r>
             <a:endParaRPr lang="en-US" dirty="0"/>
@@ -3210,35 +3209,35 @@
           <a:p>
             <a:pPr lvl="0"/>
             <a:r>
-              <a:rPr lang="en-US" smtClean="0"/>
+              <a:rPr lang="en-US"/>
               <a:t>Edit Master text styles</a:t>
             </a:r>
           </a:p>
           <a:p>
             <a:pPr lvl="1"/>
             <a:r>
-              <a:rPr lang="en-US" smtClean="0"/>
+              <a:rPr lang="en-US"/>
               <a:t>Second level</a:t>
             </a:r>
           </a:p>
           <a:p>
             <a:pPr lvl="2"/>
             <a:r>
-              <a:rPr lang="en-US" smtClean="0"/>
+              <a:rPr lang="en-US"/>
               <a:t>Third level</a:t>
             </a:r>
           </a:p>
           <a:p>
             <a:pPr lvl="3"/>
             <a:r>
-              <a:rPr lang="en-US" smtClean="0"/>
+              <a:rPr lang="en-US"/>
               <a:t>Fourth level</a:t>
             </a:r>
           </a:p>
           <a:p>
             <a:pPr lvl="4"/>
             <a:r>
-              <a:rPr lang="en-US" smtClean="0"/>
+              <a:rPr lang="en-US"/>
               <a:t>Fifth level</a:t>
             </a:r>
             <a:endParaRPr lang="en-US" dirty="0"/>
@@ -3263,7 +3262,7 @@
             <a:fld id="{B61BEF0D-F0BB-DE4B-95CE-6DB70DBA9567}" type="datetimeFigureOut">
               <a:rPr lang="en-US" smtClean="0"/>
               <a:pPr/>
-              <a:t>3/24/2019</a:t>
+              <a:t>3/31/2019</a:t>
             </a:fld>
             <a:endParaRPr lang="en-US" dirty="0"/>
           </a:p>
@@ -3364,7 +3363,7 @@
           </a:lstStyle>
           <a:p>
             <a:r>
-              <a:rPr lang="en-US" smtClean="0"/>
+              <a:rPr lang="en-US"/>
               <a:t>Click to edit Master title style</a:t>
             </a:r>
             <a:endParaRPr lang="en-US" dirty="0"/>
@@ -3388,35 +3387,35 @@
           <a:p>
             <a:pPr lvl="0"/>
             <a:r>
-              <a:rPr lang="en-US" smtClean="0"/>
+              <a:rPr lang="en-US"/>
               <a:t>Edit Master text styles</a:t>
             </a:r>
           </a:p>
           <a:p>
             <a:pPr lvl="1"/>
             <a:r>
-              <a:rPr lang="en-US" smtClean="0"/>
+              <a:rPr lang="en-US"/>
               <a:t>Second level</a:t>
             </a:r>
           </a:p>
           <a:p>
             <a:pPr lvl="2"/>
             <a:r>
-              <a:rPr lang="en-US" smtClean="0"/>
+              <a:rPr lang="en-US"/>
               <a:t>Third level</a:t>
             </a:r>
           </a:p>
           <a:p>
             <a:pPr lvl="3"/>
             <a:r>
-              <a:rPr lang="en-US" smtClean="0"/>
+              <a:rPr lang="en-US"/>
               <a:t>Fourth level</a:t>
             </a:r>
           </a:p>
           <a:p>
             <a:pPr lvl="4"/>
             <a:r>
-              <a:rPr lang="en-US" smtClean="0"/>
+              <a:rPr lang="en-US"/>
               <a:t>Fifth level</a:t>
             </a:r>
             <a:endParaRPr lang="en-US" dirty="0"/>
@@ -3441,7 +3440,7 @@
             <a:fld id="{B61BEF0D-F0BB-DE4B-95CE-6DB70DBA9567}" type="datetimeFigureOut">
               <a:rPr lang="en-US" smtClean="0"/>
               <a:pPr/>
-              <a:t>3/24/2019</a:t>
+              <a:t>3/31/2019</a:t>
             </a:fld>
             <a:endParaRPr lang="en-US" dirty="0"/>
           </a:p>
@@ -3545,7 +3544,7 @@
           </a:lstStyle>
           <a:p>
             <a:r>
-              <a:rPr lang="en-US" smtClean="0"/>
+              <a:rPr lang="en-US"/>
               <a:t>Click to edit Master title style</a:t>
             </a:r>
             <a:endParaRPr lang="en-US" dirty="0"/>
@@ -3666,7 +3665,7 @@
           <a:p>
             <a:pPr lvl="0"/>
             <a:r>
-              <a:rPr lang="en-US" smtClean="0"/>
+              <a:rPr lang="en-US"/>
               <a:t>Edit Master text styles</a:t>
             </a:r>
           </a:p>
@@ -3690,7 +3689,7 @@
             <a:fld id="{B61BEF0D-F0BB-DE4B-95CE-6DB70DBA9567}" type="datetimeFigureOut">
               <a:rPr lang="en-US" smtClean="0"/>
               <a:pPr/>
-              <a:t>3/24/2019</a:t>
+              <a:t>3/31/2019</a:t>
             </a:fld>
             <a:endParaRPr lang="en-US" dirty="0"/>
           </a:p>
@@ -3785,7 +3784,7 @@
           <a:lstStyle/>
           <a:p>
             <a:r>
-              <a:rPr lang="en-US" smtClean="0"/>
+              <a:rPr lang="en-US"/>
               <a:t>Click to edit Master title style</a:t>
             </a:r>
             <a:endParaRPr lang="en-US" dirty="0"/>
@@ -3814,35 +3813,35 @@
           <a:p>
             <a:pPr lvl="0"/>
             <a:r>
-              <a:rPr lang="en-US" smtClean="0"/>
+              <a:rPr lang="en-US"/>
               <a:t>Edit Master text styles</a:t>
             </a:r>
           </a:p>
           <a:p>
             <a:pPr lvl="1"/>
             <a:r>
-              <a:rPr lang="en-US" smtClean="0"/>
+              <a:rPr lang="en-US"/>
               <a:t>Second level</a:t>
             </a:r>
           </a:p>
           <a:p>
             <a:pPr lvl="2"/>
             <a:r>
-              <a:rPr lang="en-US" smtClean="0"/>
+              <a:rPr lang="en-US"/>
               <a:t>Third level</a:t>
             </a:r>
           </a:p>
           <a:p>
             <a:pPr lvl="3"/>
             <a:r>
-              <a:rPr lang="en-US" smtClean="0"/>
+              <a:rPr lang="en-US"/>
               <a:t>Fourth level</a:t>
             </a:r>
           </a:p>
           <a:p>
             <a:pPr lvl="4"/>
             <a:r>
-              <a:rPr lang="en-US" smtClean="0"/>
+              <a:rPr lang="en-US"/>
               <a:t>Fifth level</a:t>
             </a:r>
             <a:endParaRPr lang="en-US" dirty="0"/>
@@ -3871,35 +3870,35 @@
           <a:p>
             <a:pPr lvl="0"/>
             <a:r>
-              <a:rPr lang="en-US" smtClean="0"/>
+              <a:rPr lang="en-US"/>
               <a:t>Edit Master text styles</a:t>
             </a:r>
           </a:p>
           <a:p>
             <a:pPr lvl="1"/>
             <a:r>
-              <a:rPr lang="en-US" smtClean="0"/>
+              <a:rPr lang="en-US"/>
               <a:t>Second level</a:t>
             </a:r>
           </a:p>
           <a:p>
             <a:pPr lvl="2"/>
             <a:r>
-              <a:rPr lang="en-US" smtClean="0"/>
+              <a:rPr lang="en-US"/>
               <a:t>Third level</a:t>
             </a:r>
           </a:p>
           <a:p>
             <a:pPr lvl="3"/>
             <a:r>
-              <a:rPr lang="en-US" smtClean="0"/>
+              <a:rPr lang="en-US"/>
               <a:t>Fourth level</a:t>
             </a:r>
           </a:p>
           <a:p>
             <a:pPr lvl="4"/>
             <a:r>
-              <a:rPr lang="en-US" smtClean="0"/>
+              <a:rPr lang="en-US"/>
               <a:t>Fifth level</a:t>
             </a:r>
             <a:endParaRPr lang="en-US" dirty="0"/>
@@ -3924,7 +3923,7 @@
             <a:fld id="{B61BEF0D-F0BB-DE4B-95CE-6DB70DBA9567}" type="datetimeFigureOut">
               <a:rPr lang="en-US" smtClean="0"/>
               <a:pPr/>
-              <a:t>3/24/2019</a:t>
+              <a:t>3/31/2019</a:t>
             </a:fld>
             <a:endParaRPr lang="en-US" dirty="0"/>
           </a:p>
@@ -4023,7 +4022,7 @@
           </a:lstStyle>
           <a:p>
             <a:r>
-              <a:rPr lang="en-US" smtClean="0"/>
+              <a:rPr lang="en-US"/>
               <a:t>Click to edit Master title style</a:t>
             </a:r>
             <a:endParaRPr lang="en-US" dirty="0"/>
@@ -4091,7 +4090,7 @@
           <a:p>
             <a:pPr lvl="0"/>
             <a:r>
-              <a:rPr lang="en-US" smtClean="0"/>
+              <a:rPr lang="en-US"/>
               <a:t>Edit Master text styles</a:t>
             </a:r>
           </a:p>
@@ -4121,35 +4120,35 @@
           <a:p>
             <a:pPr lvl="0"/>
             <a:r>
-              <a:rPr lang="en-US" smtClean="0"/>
+              <a:rPr lang="en-US"/>
               <a:t>Edit Master text styles</a:t>
             </a:r>
           </a:p>
           <a:p>
             <a:pPr lvl="1"/>
             <a:r>
-              <a:rPr lang="en-US" smtClean="0"/>
+              <a:rPr lang="en-US"/>
               <a:t>Second level</a:t>
             </a:r>
           </a:p>
           <a:p>
             <a:pPr lvl="2"/>
             <a:r>
-              <a:rPr lang="en-US" smtClean="0"/>
+              <a:rPr lang="en-US"/>
               <a:t>Third level</a:t>
             </a:r>
           </a:p>
           <a:p>
             <a:pPr lvl="3"/>
             <a:r>
-              <a:rPr lang="en-US" smtClean="0"/>
+              <a:rPr lang="en-US"/>
               <a:t>Fourth level</a:t>
             </a:r>
           </a:p>
           <a:p>
             <a:pPr lvl="4"/>
             <a:r>
-              <a:rPr lang="en-US" smtClean="0"/>
+              <a:rPr lang="en-US"/>
               <a:t>Fifth level</a:t>
             </a:r>
             <a:endParaRPr lang="en-US" dirty="0"/>
@@ -4217,7 +4216,7 @@
           <a:p>
             <a:pPr lvl="0"/>
             <a:r>
-              <a:rPr lang="en-US" smtClean="0"/>
+              <a:rPr lang="en-US"/>
               <a:t>Edit Master text styles</a:t>
             </a:r>
           </a:p>
@@ -4247,35 +4246,35 @@
           <a:p>
             <a:pPr lvl="0"/>
             <a:r>
-              <a:rPr lang="en-US" smtClean="0"/>
+              <a:rPr lang="en-US"/>
               <a:t>Edit Master text styles</a:t>
             </a:r>
           </a:p>
           <a:p>
             <a:pPr lvl="1"/>
             <a:r>
-              <a:rPr lang="en-US" smtClean="0"/>
+              <a:rPr lang="en-US"/>
               <a:t>Second level</a:t>
             </a:r>
           </a:p>
           <a:p>
             <a:pPr lvl="2"/>
             <a:r>
-              <a:rPr lang="en-US" smtClean="0"/>
+              <a:rPr lang="en-US"/>
               <a:t>Third level</a:t>
             </a:r>
           </a:p>
           <a:p>
             <a:pPr lvl="3"/>
             <a:r>
-              <a:rPr lang="en-US" smtClean="0"/>
+              <a:rPr lang="en-US"/>
               <a:t>Fourth level</a:t>
             </a:r>
           </a:p>
           <a:p>
             <a:pPr lvl="4"/>
             <a:r>
-              <a:rPr lang="en-US" smtClean="0"/>
+              <a:rPr lang="en-US"/>
               <a:t>Fifth level</a:t>
             </a:r>
             <a:endParaRPr lang="en-US" dirty="0"/>
@@ -4300,7 +4299,7 @@
             <a:fld id="{B61BEF0D-F0BB-DE4B-95CE-6DB70DBA9567}" type="datetimeFigureOut">
               <a:rPr lang="en-US" smtClean="0"/>
               <a:pPr/>
-              <a:t>3/24/2019</a:t>
+              <a:t>3/31/2019</a:t>
             </a:fld>
             <a:endParaRPr lang="en-US" dirty="0"/>
           </a:p>
@@ -4400,7 +4399,7 @@
           <a:lstStyle/>
           <a:p>
             <a:r>
-              <a:rPr lang="en-US" smtClean="0"/>
+              <a:rPr lang="en-US"/>
               <a:t>Click to edit Master title style</a:t>
             </a:r>
             <a:endParaRPr lang="en-US" dirty="0"/>
@@ -4425,7 +4424,7 @@
             <a:fld id="{B61BEF0D-F0BB-DE4B-95CE-6DB70DBA9567}" type="datetimeFigureOut">
               <a:rPr lang="en-US" smtClean="0"/>
               <a:pPr/>
-              <a:t>3/24/2019</a:t>
+              <a:t>3/31/2019</a:t>
             </a:fld>
             <a:endParaRPr lang="en-US" dirty="0"/>
           </a:p>
@@ -4522,7 +4521,7 @@
             <a:fld id="{B61BEF0D-F0BB-DE4B-95CE-6DB70DBA9567}" type="datetimeFigureOut">
               <a:rPr lang="en-US" smtClean="0"/>
               <a:pPr/>
-              <a:t>3/24/2019</a:t>
+              <a:t>3/31/2019</a:t>
             </a:fld>
             <a:endParaRPr lang="en-US" dirty="0"/>
           </a:p>
@@ -4628,7 +4627,7 @@
           </a:lstStyle>
           <a:p>
             <a:r>
-              <a:rPr lang="en-US" smtClean="0"/>
+              <a:rPr lang="en-US"/>
               <a:t>Click to edit Master title style</a:t>
             </a:r>
             <a:endParaRPr lang="en-US" dirty="0"/>
@@ -4659,35 +4658,35 @@
           <a:p>
             <a:pPr lvl="0"/>
             <a:r>
-              <a:rPr lang="en-US" smtClean="0"/>
+              <a:rPr lang="en-US"/>
               <a:t>Edit Master text styles</a:t>
             </a:r>
           </a:p>
           <a:p>
             <a:pPr lvl="1"/>
             <a:r>
-              <a:rPr lang="en-US" smtClean="0"/>
+              <a:rPr lang="en-US"/>
               <a:t>Second level</a:t>
             </a:r>
           </a:p>
           <a:p>
             <a:pPr lvl="2"/>
             <a:r>
-              <a:rPr lang="en-US" smtClean="0"/>
+              <a:rPr lang="en-US"/>
               <a:t>Third level</a:t>
             </a:r>
           </a:p>
           <a:p>
             <a:pPr lvl="3"/>
             <a:r>
-              <a:rPr lang="en-US" smtClean="0"/>
+              <a:rPr lang="en-US"/>
               <a:t>Fourth level</a:t>
             </a:r>
           </a:p>
           <a:p>
             <a:pPr lvl="4"/>
             <a:r>
-              <a:rPr lang="en-US" smtClean="0"/>
+              <a:rPr lang="en-US"/>
               <a:t>Fifth level</a:t>
             </a:r>
             <a:endParaRPr lang="en-US" dirty="0"/>
@@ -4755,7 +4754,7 @@
           <a:p>
             <a:pPr lvl="0"/>
             <a:r>
-              <a:rPr lang="en-US" smtClean="0"/>
+              <a:rPr lang="en-US"/>
               <a:t>Edit Master text styles</a:t>
             </a:r>
           </a:p>
@@ -4779,7 +4778,7 @@
             <a:fld id="{B61BEF0D-F0BB-DE4B-95CE-6DB70DBA9567}" type="datetimeFigureOut">
               <a:rPr lang="en-US" smtClean="0"/>
               <a:pPr/>
-              <a:t>3/24/2019</a:t>
+              <a:t>3/31/2019</a:t>
             </a:fld>
             <a:endParaRPr lang="en-US" dirty="0"/>
           </a:p>
@@ -4885,7 +4884,7 @@
           </a:lstStyle>
           <a:p>
             <a:r>
-              <a:rPr lang="en-US" smtClean="0"/>
+              <a:rPr lang="en-US"/>
               <a:t>Click to edit Master title style</a:t>
             </a:r>
             <a:endParaRPr lang="en-US" dirty="0"/>
@@ -4952,7 +4951,7 @@
           </a:lstStyle>
           <a:p>
             <a:r>
-              <a:rPr lang="en-US" smtClean="0"/>
+              <a:rPr lang="en-US"/>
               <a:t>Click icon to add picture</a:t>
             </a:r>
             <a:endParaRPr lang="en-US" dirty="0"/>
@@ -5020,7 +5019,7 @@
           <a:p>
             <a:pPr lvl="0"/>
             <a:r>
-              <a:rPr lang="en-US" smtClean="0"/>
+              <a:rPr lang="en-US"/>
               <a:t>Edit Master text styles</a:t>
             </a:r>
           </a:p>
@@ -5044,7 +5043,7 @@
             <a:fld id="{B61BEF0D-F0BB-DE4B-95CE-6DB70DBA9567}" type="datetimeFigureOut">
               <a:rPr lang="en-US" smtClean="0"/>
               <a:pPr/>
-              <a:t>3/24/2019</a:t>
+              <a:t>3/31/2019</a:t>
             </a:fld>
             <a:endParaRPr lang="en-US" dirty="0"/>
           </a:p>
@@ -5684,7 +5683,7 @@
           <a:lstStyle/>
           <a:p>
             <a:r>
-              <a:rPr lang="en-US" smtClean="0"/>
+              <a:rPr lang="en-US"/>
               <a:t>Click to edit Master title style</a:t>
             </a:r>
             <a:endParaRPr lang="en-US" dirty="0"/>
@@ -5718,35 +5717,35 @@
           <a:p>
             <a:pPr lvl="0"/>
             <a:r>
-              <a:rPr lang="en-US" smtClean="0"/>
+              <a:rPr lang="en-US"/>
               <a:t>Edit Master text styles</a:t>
             </a:r>
           </a:p>
           <a:p>
             <a:pPr lvl="1"/>
             <a:r>
-              <a:rPr lang="en-US" smtClean="0"/>
+              <a:rPr lang="en-US"/>
               <a:t>Second level</a:t>
             </a:r>
           </a:p>
           <a:p>
             <a:pPr lvl="2"/>
             <a:r>
-              <a:rPr lang="en-US" smtClean="0"/>
+              <a:rPr lang="en-US"/>
               <a:t>Third level</a:t>
             </a:r>
           </a:p>
           <a:p>
             <a:pPr lvl="3"/>
             <a:r>
-              <a:rPr lang="en-US" smtClean="0"/>
+              <a:rPr lang="en-US"/>
               <a:t>Fourth level</a:t>
             </a:r>
           </a:p>
           <a:p>
             <a:pPr lvl="4"/>
             <a:r>
-              <a:rPr lang="en-US" smtClean="0"/>
+              <a:rPr lang="en-US"/>
               <a:t>Fifth level</a:t>
             </a:r>
             <a:endParaRPr lang="en-US" dirty="0"/>
@@ -5789,7 +5788,7 @@
             <a:fld id="{B61BEF0D-F0BB-DE4B-95CE-6DB70DBA9567}" type="datetimeFigureOut">
               <a:rPr lang="en-US" smtClean="0"/>
               <a:pPr/>
-              <a:t>3/24/2019</a:t>
+              <a:t>3/31/2019</a:t>
             </a:fld>
             <a:endParaRPr lang="en-US" dirty="0"/>
           </a:p>
@@ -6382,23 +6381,7 @@
                 <a:latin typeface="Times New Roman" panose="02020603050405020304" pitchFamily="18" charset="0"/>
                 <a:cs typeface="Times New Roman" panose="02020603050405020304" pitchFamily="18" charset="0"/>
               </a:rPr>
-              <a:t>Agricultural </a:t>
-            </a:r>
-            <a:r>
-              <a:rPr lang="en-US" b="1" i="1" dirty="0" smtClean="0">
-                <a:ln w="3175">
-                  <a:solidFill>
-                    <a:srgbClr val="00B050"/>
-                  </a:solidFill>
-                  <a:prstDash val="solid"/>
-                </a:ln>
-                <a:solidFill>
-                  <a:srgbClr val="92D050"/>
-                </a:solidFill>
-                <a:latin typeface="Times New Roman" panose="02020603050405020304" pitchFamily="18" charset="0"/>
-                <a:cs typeface="Times New Roman" panose="02020603050405020304" pitchFamily="18" charset="0"/>
-              </a:rPr>
-              <a:t>Product Management</a:t>
+              <a:t>Agricultural Product Management</a:t>
             </a:r>
             <a:endParaRPr lang="en-US" dirty="0">
               <a:ln w="3175">
@@ -6453,28 +6436,10 @@
                 <a:latin typeface="Times New Roman" panose="02020603050405020304" pitchFamily="18" charset="0"/>
                 <a:cs typeface="Times New Roman" panose="02020603050405020304" pitchFamily="18" charset="0"/>
               </a:rPr>
-              <a:t> </a:t>
-            </a:r>
-            <a:r>
-              <a:rPr lang="en-US" dirty="0" smtClean="0">
-                <a:ln w="0"/>
-                <a:solidFill>
-                  <a:schemeClr val="tx1"/>
-                </a:solidFill>
-                <a:effectLst>
-                  <a:outerShdw blurRad="38100" dist="19050" dir="2700000" algn="tl" rotWithShape="0">
-                    <a:schemeClr val="dk1">
-                      <a:alpha val="40000"/>
-                    </a:schemeClr>
-                  </a:outerShdw>
-                </a:effectLst>
-                <a:latin typeface="Times New Roman" panose="02020603050405020304" pitchFamily="18" charset="0"/>
-                <a:cs typeface="Times New Roman" panose="02020603050405020304" pitchFamily="18" charset="0"/>
-              </a:rPr>
-              <a:t>      </a:t>
-            </a:r>
-            <a:r>
-              <a:rPr lang="en-US" sz="4400" b="1" dirty="0" smtClean="0">
+              <a:t>       </a:t>
+            </a:r>
+            <a:r>
+              <a:rPr lang="en-US" sz="4400" b="1" dirty="0">
                 <a:ln w="0"/>
                 <a:solidFill>
                   <a:schemeClr val="tx1"/>
@@ -6495,7 +6460,7 @@
           <a:p>
             <a:pPr lvl="1" algn="just"/>
             <a:r>
-              <a:rPr lang="en-US" sz="4400" b="1" dirty="0" smtClean="0">
+              <a:rPr lang="en-US" sz="4400" b="1" dirty="0">
                 <a:ln w="0"/>
                 <a:solidFill>
                   <a:schemeClr val="tx1"/>
@@ -6513,7 +6478,7 @@
               <a:t>Phan Tan Phat CE130319(</a:t>
             </a:r>
             <a:r>
-              <a:rPr lang="en-US" sz="4400" b="1" dirty="0" smtClean="0">
+              <a:rPr lang="en-US" sz="4400" b="1" dirty="0">
                 <a:ln w="0"/>
                 <a:solidFill>
                   <a:srgbClr val="FF0000"/>
@@ -6531,7 +6496,7 @@
               <a:t>*</a:t>
             </a:r>
             <a:r>
-              <a:rPr lang="en-US" sz="4400" b="1" dirty="0" smtClean="0">
+              <a:rPr lang="en-US" sz="4400" b="1" dirty="0">
                 <a:ln w="0"/>
                 <a:solidFill>
                   <a:schemeClr val="tx1"/>
@@ -6552,7 +6517,7 @@
           <a:p>
             <a:pPr lvl="1" algn="just"/>
             <a:r>
-              <a:rPr lang="en-US" sz="4400" b="1" dirty="0" smtClean="0">
+              <a:rPr lang="en-US" sz="4400" b="1" dirty="0">
                 <a:ln w="0"/>
                 <a:solidFill>
                   <a:schemeClr val="tx1"/>
@@ -6570,7 +6535,7 @@
               <a:t>Dang </a:t>
             </a:r>
             <a:r>
-              <a:rPr lang="en-US" sz="4400" b="1" dirty="0" err="1" smtClean="0">
+              <a:rPr lang="en-US" sz="4400" b="1" dirty="0" err="1">
                 <a:ln w="0"/>
                 <a:solidFill>
                   <a:schemeClr val="tx1"/>
@@ -6588,7 +6553,7 @@
               <a:t>Buu</a:t>
             </a:r>
             <a:r>
-              <a:rPr lang="en-US" sz="4400" b="1" dirty="0" smtClean="0">
+              <a:rPr lang="en-US" sz="4400" b="1" dirty="0">
                 <a:ln w="0"/>
                 <a:solidFill>
                   <a:schemeClr val="tx1"/>
@@ -6606,7 +6571,7 @@
               <a:t> </a:t>
             </a:r>
             <a:r>
-              <a:rPr lang="en-US" sz="4400" b="1" dirty="0" err="1" smtClean="0">
+              <a:rPr lang="en-US" sz="4400" b="1" dirty="0" err="1">
                 <a:ln w="0"/>
                 <a:solidFill>
                   <a:schemeClr val="tx1"/>
@@ -6624,7 +6589,7 @@
               <a:t>Hoa</a:t>
             </a:r>
             <a:r>
-              <a:rPr lang="en-US" sz="4400" b="1" dirty="0" smtClean="0">
+              <a:rPr lang="en-US" sz="4400" b="1" dirty="0">
                 <a:ln w="0"/>
                 <a:solidFill>
                   <a:schemeClr val="tx1"/>
@@ -6645,7 +6610,7 @@
           <a:p>
             <a:pPr lvl="1" algn="just"/>
             <a:r>
-              <a:rPr lang="en-US" sz="4400" b="1" dirty="0" smtClean="0">
+              <a:rPr lang="en-US" sz="4400" b="1" dirty="0">
                 <a:ln w="0"/>
                 <a:solidFill>
                   <a:schemeClr val="tx1"/>
@@ -6695,7 +6660,7 @@
           <a:lstStyle/>
           <a:p>
             <a:r>
-              <a:rPr lang="en-US" sz="2000" b="1" dirty="0" smtClean="0">
+              <a:rPr lang="en-US" sz="2000" b="1" dirty="0">
                 <a:ln>
                   <a:solidFill>
                     <a:schemeClr val="tx1"/>
@@ -6707,7 +6672,7 @@
               <a:t>Teacher: Vo Hong </a:t>
             </a:r>
             <a:r>
-              <a:rPr lang="en-US" sz="2000" b="1" dirty="0" err="1" smtClean="0">
+              <a:rPr lang="en-US" sz="2000" b="1" dirty="0" err="1">
                 <a:ln>
                   <a:solidFill>
                     <a:schemeClr val="tx1"/>
@@ -6783,7 +6748,7 @@
           <a:lstStyle/>
           <a:p>
             <a:r>
-              <a:rPr lang="en-US" sz="3200" b="1" i="1" dirty="0" smtClean="0">
+              <a:rPr lang="en-US" sz="3200" b="1" i="1" dirty="0">
                 <a:solidFill>
                   <a:srgbClr val="FF0000"/>
                 </a:solidFill>
@@ -6792,13 +6757,6 @@
               </a:rPr>
               <a:t>THE DRIFTER</a:t>
             </a:r>
-            <a:endParaRPr lang="en-US" sz="3200" b="1" i="1" dirty="0">
-              <a:solidFill>
-                <a:srgbClr val="FF0000"/>
-              </a:solidFill>
-              <a:latin typeface="Comic Sans MS" panose="030F0702030302020204" pitchFamily="66" charset="0"/>
-              <a:cs typeface="Times New Roman" panose="02020603050405020304" pitchFamily="18" charset="0"/>
-            </a:endParaRPr>
           </a:p>
         </p:txBody>
       </p:sp>
@@ -6815,13 +6773,6 @@
   <p:transition spd="slow">
     <p:push dir="u"/>
   </p:transition>
-  <p:timing>
-    <p:tnLst>
-      <p:par>
-        <p:cTn id="1" dur="indefinite" restart="never" nodeType="tmRoot"/>
-      </p:par>
-    </p:tnLst>
-  </p:timing>
 </p:sld>
 </file>
 
@@ -6924,13 +6875,6 @@
   <p:clrMapOvr>
     <a:masterClrMapping/>
   </p:clrMapOvr>
-  <p:timing>
-    <p:tnLst>
-      <p:par>
-        <p:cTn id="1" dur="indefinite" restart="never" nodeType="tmRoot"/>
-      </p:par>
-    </p:tnLst>
-  </p:timing>
 </p:sld>
 </file>
 
@@ -6975,7 +6919,7 @@
           <a:p>
             <a:pPr algn="ctr"/>
             <a:r>
-              <a:rPr lang="en-US" sz="8000" b="1" i="1" dirty="0" smtClean="0">
+              <a:rPr lang="en-US" sz="8000" b="1" i="1" dirty="0">
                 <a:ln>
                   <a:solidFill>
                     <a:srgbClr val="00B050"/>
@@ -6989,18 +6933,6 @@
               </a:rPr>
               <a:t>Demo</a:t>
             </a:r>
-            <a:endParaRPr lang="en-US" sz="8000" b="1" i="1" dirty="0">
-              <a:ln>
-                <a:solidFill>
-                  <a:srgbClr val="00B050"/>
-                </a:solidFill>
-              </a:ln>
-              <a:solidFill>
-                <a:srgbClr val="92D050"/>
-              </a:solidFill>
-              <a:latin typeface="Times New Roman" panose="02020603050405020304" pitchFamily="18" charset="0"/>
-              <a:cs typeface="Times New Roman" panose="02020603050405020304" pitchFamily="18" charset="0"/>
-            </a:endParaRPr>
           </a:p>
         </p:txBody>
       </p:sp>
@@ -7459,7 +7391,7 @@
               <a:buAutoNum type="romanUcPeriod"/>
             </a:pPr>
             <a:r>
-              <a:rPr lang="en-US" sz="4000" b="1" dirty="0" smtClean="0">
+              <a:rPr lang="en-US" sz="4000" b="1" dirty="0">
                 <a:solidFill>
                   <a:schemeClr val="tx1"/>
                 </a:solidFill>
@@ -7478,7 +7410,7 @@
               <a:buAutoNum type="romanUcPeriod"/>
             </a:pPr>
             <a:r>
-              <a:rPr lang="en-US" sz="4000" b="1" dirty="0" smtClean="0">
+              <a:rPr lang="en-US" sz="4000" b="1" dirty="0">
                 <a:solidFill>
                   <a:schemeClr val="tx1"/>
                 </a:solidFill>
@@ -7497,7 +7429,7 @@
               <a:buAutoNum type="romanUcPeriod"/>
             </a:pPr>
             <a:r>
-              <a:rPr lang="en-US" sz="4000" b="1" dirty="0" smtClean="0">
+              <a:rPr lang="en-US" sz="4000" b="1" dirty="0">
                 <a:solidFill>
                   <a:schemeClr val="tx1"/>
                 </a:solidFill>
@@ -7516,7 +7448,7 @@
               <a:buAutoNum type="romanUcPeriod"/>
             </a:pPr>
             <a:r>
-              <a:rPr lang="en-US" sz="4000" b="1" dirty="0" smtClean="0">
+              <a:rPr lang="en-US" sz="4000" b="1" dirty="0">
                 <a:solidFill>
                   <a:schemeClr val="tx1"/>
                 </a:solidFill>
@@ -7525,13 +7457,6 @@
               </a:rPr>
               <a:t>Demo</a:t>
             </a:r>
-            <a:endParaRPr lang="en-US" sz="4000" b="1" dirty="0">
-              <a:solidFill>
-                <a:schemeClr val="tx1"/>
-              </a:solidFill>
-              <a:latin typeface="Times New Roman" panose="02020603050405020304" pitchFamily="18" charset="0"/>
-              <a:cs typeface="Times New Roman" panose="02020603050405020304" pitchFamily="18" charset="0"/>
-            </a:endParaRPr>
           </a:p>
         </p:txBody>
       </p:sp>
@@ -7913,7 +7838,7 @@
           <a:lstStyle/>
           <a:p>
             <a:r>
-              <a:rPr lang="en-US" sz="4000" b="1" dirty="0" smtClean="0">
+              <a:rPr lang="en-US" sz="4000" b="1" dirty="0">
                 <a:ln>
                   <a:solidFill>
                     <a:srgbClr val="00B050"/>
@@ -7927,18 +7852,6 @@
               </a:rPr>
               <a:t>Problem definition</a:t>
             </a:r>
-            <a:endParaRPr lang="en-US" sz="4000" b="1" dirty="0">
-              <a:ln>
-                <a:solidFill>
-                  <a:srgbClr val="00B050"/>
-                </a:solidFill>
-              </a:ln>
-              <a:solidFill>
-                <a:srgbClr val="92D050"/>
-              </a:solidFill>
-              <a:latin typeface="Times New Roman" panose="02020603050405020304" pitchFamily="18" charset="0"/>
-              <a:cs typeface="Times New Roman" panose="02020603050405020304" pitchFamily="18" charset="0"/>
-            </a:endParaRPr>
           </a:p>
         </p:txBody>
       </p:sp>
@@ -7979,17 +7892,7 @@
                 <a:latin typeface="Times New Roman" panose="02020603050405020304" pitchFamily="18" charset="0"/>
                 <a:cs typeface="Times New Roman" panose="02020603050405020304" pitchFamily="18" charset="0"/>
               </a:rPr>
-              <a:t>There is a customer named 'A', he is very headache when facing with lots of bills and books every day. While other stores all use software to manage the store, Mr. A still manages the store in a traditional fashion every day. Mr. A wanted to build a store management software for his shop, so he went to meet the programmers to order</a:t>
-            </a:r>
-            <a:r>
-              <a:rPr lang="en-US" sz="2400" b="1" dirty="0" smtClean="0">
-                <a:solidFill>
-                  <a:sysClr val="windowText" lastClr="000000"/>
-                </a:solidFill>
-                <a:latin typeface="Times New Roman" panose="02020603050405020304" pitchFamily="18" charset="0"/>
-                <a:cs typeface="Times New Roman" panose="02020603050405020304" pitchFamily="18" charset="0"/>
-              </a:rPr>
-              <a:t>.</a:t>
+              <a:t>There is a customer named 'A', he is very headache when facing with lots of bills and books every day. While other stores all use software to manage the store, Mr. A still manages the store in a traditional fashion every day. Mr. A wanted to build a store management software for his shop, so he went to meet the programmers to order.</a:t>
             </a:r>
           </a:p>
           <a:p>
@@ -8001,32 +7904,15 @@
               <a:buChar char="v"/>
             </a:pPr>
             <a:r>
-              <a:rPr lang="en-US" sz="2400" b="1" dirty="0" smtClean="0">
+              <a:rPr lang="en-US" sz="2400" b="1" dirty="0">
                 <a:solidFill>
                   <a:sysClr val="windowText" lastClr="000000"/>
                 </a:solidFill>
                 <a:latin typeface="Times New Roman" panose="02020603050405020304" pitchFamily="18" charset="0"/>
                 <a:cs typeface="Times New Roman" panose="02020603050405020304" pitchFamily="18" charset="0"/>
               </a:rPr>
-              <a:t> </a:t>
-            </a:r>
-            <a:r>
-              <a:rPr lang="en-US" sz="2400" b="1" dirty="0">
-                <a:solidFill>
-                  <a:sysClr val="windowText" lastClr="000000"/>
-                </a:solidFill>
-                <a:latin typeface="Times New Roman" panose="02020603050405020304" pitchFamily="18" charset="0"/>
-                <a:cs typeface="Times New Roman" panose="02020603050405020304" pitchFamily="18" charset="0"/>
-              </a:rPr>
-              <a:t>Programmers introduced Mr. A to the benefits of using management programs compared to traditional-style management. </a:t>
-            </a:r>
-            <a:endParaRPr lang="en-US" sz="2400" b="1" dirty="0" smtClean="0">
-              <a:solidFill>
-                <a:sysClr val="windowText" lastClr="000000"/>
-              </a:solidFill>
-              <a:latin typeface="Times New Roman" panose="02020603050405020304" pitchFamily="18" charset="0"/>
-              <a:cs typeface="Times New Roman" panose="02020603050405020304" pitchFamily="18" charset="0"/>
-            </a:endParaRPr>
+              <a:t> Programmers introduced Mr. A to the benefits of using management programs compared to traditional-style management. </a:t>
+            </a:r>
           </a:p>
         </p:txBody>
       </p:sp>
@@ -8332,18 +8218,11 @@
               <a:buChar char="v"/>
             </a:pPr>
             <a:r>
-              <a:rPr lang="en-US" sz="3200" b="1" dirty="0" smtClean="0">
-                <a:latin typeface="Times New Roman" panose="02020603050405020304" pitchFamily="18" charset="0"/>
-                <a:cs typeface="Times New Roman" panose="02020603050405020304" pitchFamily="18" charset="0"/>
-              </a:rPr>
-              <a:t>Advantages </a:t>
-            </a:r>
-            <a:r>
               <a:rPr lang="en-US" sz="3200" b="1" dirty="0">
                 <a:latin typeface="Times New Roman" panose="02020603050405020304" pitchFamily="18" charset="0"/>
                 <a:cs typeface="Times New Roman" panose="02020603050405020304" pitchFamily="18" charset="0"/>
               </a:rPr>
-              <a:t>when using management program: </a:t>
+              <a:t>Advantages when using management program: </a:t>
             </a:r>
           </a:p>
           <a:p>
@@ -8361,10 +8240,6 @@
               </a:rPr>
               <a:t>Save time and cost </a:t>
             </a:r>
-            <a:endParaRPr lang="en-US" sz="2400" b="1" dirty="0" smtClean="0">
-              <a:latin typeface="Times New Roman" panose="02020603050405020304" pitchFamily="18" charset="0"/>
-              <a:cs typeface="Times New Roman" panose="02020603050405020304" pitchFamily="18" charset="0"/>
-            </a:endParaRPr>
           </a:p>
           <a:p>
             <a:pPr marL="800100" lvl="1" indent="-342900" algn="just">
@@ -8375,18 +8250,11 @@
               <a:buChar char="§"/>
             </a:pPr>
             <a:r>
-              <a:rPr lang="en-US" sz="2400" b="1" dirty="0" smtClean="0">
-                <a:latin typeface="Times New Roman" panose="02020603050405020304" pitchFamily="18" charset="0"/>
-                <a:cs typeface="Times New Roman" panose="02020603050405020304" pitchFamily="18" charset="0"/>
-              </a:rPr>
-              <a:t>Effectively </a:t>
-            </a:r>
-            <a:r>
               <a:rPr lang="en-US" sz="2400" b="1" dirty="0">
                 <a:latin typeface="Times New Roman" panose="02020603050405020304" pitchFamily="18" charset="0"/>
                 <a:cs typeface="Times New Roman" panose="02020603050405020304" pitchFamily="18" charset="0"/>
               </a:rPr>
-              <a:t>manage resources.</a:t>
+              <a:t>Effectively manage resources.</a:t>
             </a:r>
           </a:p>
           <a:p>
@@ -9372,7 +9240,7 @@
           <a:lstStyle/>
           <a:p>
             <a:r>
-              <a:rPr lang="en-US" sz="4000" b="1" dirty="0" smtClean="0">
+              <a:rPr lang="en-US" sz="4000" b="1" dirty="0">
                 <a:ln>
                   <a:solidFill>
                     <a:srgbClr val="00B050"/>
@@ -9386,18 +9254,6 @@
               </a:rPr>
               <a:t>Hardware requirement</a:t>
             </a:r>
-            <a:endParaRPr lang="en-US" sz="4000" b="1" dirty="0">
-              <a:ln>
-                <a:solidFill>
-                  <a:srgbClr val="00B050"/>
-                </a:solidFill>
-              </a:ln>
-              <a:solidFill>
-                <a:srgbClr val="92D050"/>
-              </a:solidFill>
-              <a:latin typeface="Times New Roman" panose="02020603050405020304" pitchFamily="18" charset="0"/>
-              <a:cs typeface="Times New Roman" panose="02020603050405020304" pitchFamily="18" charset="0"/>
-            </a:endParaRPr>
           </a:p>
         </p:txBody>
       </p:sp>
@@ -9413,13 +9269,13 @@
         </p:nvSpPr>
         <p:spPr>
           <a:xfrm>
-            <a:off x="1874468" y="1578428"/>
-            <a:ext cx="4739051" cy="4201886"/>
+            <a:off x="1874467" y="1578428"/>
+            <a:ext cx="5691455" cy="4201886"/>
           </a:xfrm>
         </p:spPr>
         <p:txBody>
           <a:bodyPr>
-            <a:normAutofit fontScale="92500"/>
+            <a:normAutofit/>
           </a:bodyPr>
           <a:lstStyle/>
           <a:p>
@@ -9429,7 +9285,7 @@
               </a:buClr>
             </a:pPr>
             <a:r>
-              <a:rPr lang="en-US" sz="2800" b="1" dirty="0" smtClean="0">
+              <a:rPr lang="en-US" sz="2800" b="1" dirty="0">
                 <a:solidFill>
                   <a:sysClr val="windowText" lastClr="000000"/>
                 </a:solidFill>
@@ -9448,24 +9304,14 @@
               <a:buChar char="•"/>
             </a:pPr>
             <a:r>
-              <a:rPr lang="en-US" sz="2400" b="1" dirty="0" smtClean="0">
+              <a:rPr lang="en-US" sz="2400" b="1" dirty="0">
                 <a:solidFill>
                   <a:sysClr val="windowText" lastClr="000000"/>
                 </a:solidFill>
                 <a:latin typeface="Times New Roman" panose="02020603050405020304" pitchFamily="18" charset="0"/>
                 <a:cs typeface="Times New Roman" panose="02020603050405020304" pitchFamily="18" charset="0"/>
               </a:rPr>
-              <a:t>CPU: Intel </a:t>
-            </a:r>
-            <a:r>
-              <a:rPr lang="en-US" sz="2400" b="1" dirty="0">
-                <a:solidFill>
-                  <a:sysClr val="windowText" lastClr="000000"/>
-                </a:solidFill>
-                <a:latin typeface="Times New Roman" panose="02020603050405020304" pitchFamily="18" charset="0"/>
-                <a:cs typeface="Times New Roman" panose="02020603050405020304" pitchFamily="18" charset="0"/>
-              </a:rPr>
-              <a:t>Core i5 4</a:t>
+              <a:t>CPU: Intel Core i5 4</a:t>
             </a:r>
             <a:r>
               <a:rPr lang="en-US" sz="2400" b="1" baseline="30000" dirty="0">
@@ -9485,17 +9331,7 @@
                 <a:latin typeface="Times New Roman" panose="02020603050405020304" pitchFamily="18" charset="0"/>
                 <a:cs typeface="Times New Roman" panose="02020603050405020304" pitchFamily="18" charset="0"/>
               </a:rPr>
-              <a:t> Gen or </a:t>
-            </a:r>
-            <a:r>
-              <a:rPr lang="en-US" sz="2400" b="1" dirty="0" smtClean="0">
-                <a:solidFill>
-                  <a:sysClr val="windowText" lastClr="000000"/>
-                </a:solidFill>
-                <a:latin typeface="Times New Roman" panose="02020603050405020304" pitchFamily="18" charset="0"/>
-                <a:cs typeface="Times New Roman" panose="02020603050405020304" pitchFamily="18" charset="0"/>
-              </a:rPr>
-              <a:t>higher</a:t>
+              <a:t> Gen or higher</a:t>
             </a:r>
           </a:p>
           <a:p>
@@ -9507,7 +9343,7 @@
               <a:buChar char="•"/>
             </a:pPr>
             <a:r>
-              <a:rPr lang="en-US" sz="2400" b="1" dirty="0" smtClean="0">
+              <a:rPr lang="en-US" sz="2400" b="1" dirty="0">
                 <a:solidFill>
                   <a:sysClr val="windowText" lastClr="000000"/>
                 </a:solidFill>
@@ -9526,15 +9362,32 @@
               <a:buChar char="•"/>
             </a:pPr>
             <a:r>
-              <a:rPr lang="en-US" sz="2400" b="1" dirty="0" smtClean="0">
+              <a:rPr lang="en-US" sz="2400" b="1" dirty="0">
                 <a:solidFill>
                   <a:sysClr val="windowText" lastClr="000000"/>
                 </a:solidFill>
                 <a:latin typeface="Times New Roman" panose="02020603050405020304" pitchFamily="18" charset="0"/>
                 <a:cs typeface="Times New Roman" panose="02020603050405020304" pitchFamily="18" charset="0"/>
               </a:rPr>
-              <a:t>HDD: 10GB</a:t>
-            </a:r>
+              <a:t>HDD: 10GB </a:t>
+            </a:r>
+            <a:r>
+              <a:rPr lang="en-US" sz="2400" b="1">
+                <a:solidFill>
+                  <a:sysClr val="windowText" lastClr="000000"/>
+                </a:solidFill>
+                <a:latin typeface="Times New Roman" panose="02020603050405020304" pitchFamily="18" charset="0"/>
+                <a:cs typeface="Times New Roman" panose="02020603050405020304" pitchFamily="18" charset="0"/>
+              </a:rPr>
+              <a:t>disk free</a:t>
+            </a:r>
+            <a:endParaRPr lang="en-US" sz="2400" b="1" dirty="0">
+              <a:solidFill>
+                <a:sysClr val="windowText" lastClr="000000"/>
+              </a:solidFill>
+              <a:latin typeface="Times New Roman" panose="02020603050405020304" pitchFamily="18" charset="0"/>
+              <a:cs typeface="Times New Roman" panose="02020603050405020304" pitchFamily="18" charset="0"/>
+            </a:endParaRPr>
           </a:p>
           <a:p>
             <a:pPr>
@@ -9543,7 +9396,7 @@
               </a:buClr>
             </a:pPr>
             <a:r>
-              <a:rPr lang="en-US" sz="2800" b="1" dirty="0" smtClean="0">
+              <a:rPr lang="en-US" sz="2800" b="1" dirty="0">
                 <a:solidFill>
                   <a:sysClr val="windowText" lastClr="000000"/>
                 </a:solidFill>
@@ -9562,7 +9415,7 @@
               <a:buChar char="•"/>
             </a:pPr>
             <a:r>
-              <a:rPr lang="en-US" sz="2200" b="1" dirty="0" smtClean="0">
+              <a:rPr lang="en-US" sz="2400" b="1" dirty="0">
                 <a:solidFill>
                   <a:sysClr val="windowText" lastClr="000000"/>
                 </a:solidFill>
@@ -9581,7 +9434,7 @@
               <a:buChar char="•"/>
             </a:pPr>
             <a:r>
-              <a:rPr lang="en-US" sz="2200" b="1" dirty="0" smtClean="0">
+              <a:rPr lang="en-US" sz="2400" b="1" dirty="0">
                 <a:solidFill>
                   <a:sysClr val="windowText" lastClr="000000"/>
                 </a:solidFill>
@@ -9600,7 +9453,7 @@
               <a:buChar char="•"/>
             </a:pPr>
             <a:r>
-              <a:rPr lang="en-US" sz="2200" b="1" dirty="0" smtClean="0">
+              <a:rPr lang="en-US" sz="2400" b="1" dirty="0">
                 <a:solidFill>
                   <a:sysClr val="windowText" lastClr="000000"/>
                 </a:solidFill>
@@ -10597,7 +10450,7 @@
           <a:lstStyle/>
           <a:p>
             <a:r>
-              <a:rPr lang="en-US" sz="4000" b="1" dirty="0" smtClean="0">
+              <a:rPr lang="en-US" sz="4000" b="1" dirty="0">
                 <a:ln>
                   <a:solidFill>
                     <a:srgbClr val="00B050"/>
@@ -10611,18 +10464,6 @@
               </a:rPr>
               <a:t>Software requirement</a:t>
             </a:r>
-            <a:endParaRPr lang="en-US" sz="4000" b="1" dirty="0">
-              <a:ln>
-                <a:solidFill>
-                  <a:srgbClr val="00B050"/>
-                </a:solidFill>
-              </a:ln>
-              <a:solidFill>
-                <a:srgbClr val="92D050"/>
-              </a:solidFill>
-              <a:latin typeface="Times New Roman" panose="02020603050405020304" pitchFamily="18" charset="0"/>
-              <a:cs typeface="Times New Roman" panose="02020603050405020304" pitchFamily="18" charset="0"/>
-            </a:endParaRPr>
           </a:p>
         </p:txBody>
       </p:sp>
@@ -10652,7 +10493,7 @@
               </a:buClr>
             </a:pPr>
             <a:r>
-              <a:rPr lang="en-US" sz="2800" b="1" dirty="0" smtClean="0">
+              <a:rPr lang="en-US" sz="2800" b="1" dirty="0">
                 <a:solidFill>
                   <a:sysClr val="windowText" lastClr="000000"/>
                 </a:solidFill>
@@ -10671,7 +10512,7 @@
               <a:buChar char="•"/>
             </a:pPr>
             <a:r>
-              <a:rPr lang="en-US" sz="2400" b="1" dirty="0" smtClean="0">
+              <a:rPr lang="en-US" sz="2400" b="1" dirty="0">
                 <a:solidFill>
                   <a:sysClr val="windowText" lastClr="000000"/>
                 </a:solidFill>
@@ -10690,7 +10531,7 @@
               <a:buChar char="•"/>
             </a:pPr>
             <a:r>
-              <a:rPr lang="en-US" sz="2400" b="1" dirty="0" smtClean="0">
+              <a:rPr lang="en-US" sz="2400" b="1" dirty="0">
                 <a:solidFill>
                   <a:sysClr val="windowText" lastClr="000000"/>
                 </a:solidFill>
@@ -10707,7 +10548,7 @@
               </a:buClr>
             </a:pPr>
             <a:r>
-              <a:rPr lang="en-US" sz="2800" b="1" dirty="0" smtClean="0">
+              <a:rPr lang="en-US" sz="2800" b="1" dirty="0">
                 <a:solidFill>
                   <a:sysClr val="windowText" lastClr="000000"/>
                 </a:solidFill>
@@ -10733,17 +10574,7 @@
                 <a:latin typeface="Times New Roman" panose="02020603050405020304" pitchFamily="18" charset="0"/>
                 <a:cs typeface="Times New Roman" panose="02020603050405020304" pitchFamily="18" charset="0"/>
               </a:rPr>
-              <a:t>OS: </a:t>
-            </a:r>
-            <a:r>
-              <a:rPr lang="en-US" sz="2400" b="1" dirty="0" smtClean="0">
-                <a:solidFill>
-                  <a:sysClr val="windowText" lastClr="000000"/>
-                </a:solidFill>
-                <a:latin typeface="Times New Roman" panose="02020603050405020304" pitchFamily="18" charset="0"/>
-                <a:cs typeface="Times New Roman" panose="02020603050405020304" pitchFamily="18" charset="0"/>
-              </a:rPr>
-              <a:t>Windows Server 2008 or higher</a:t>
+              <a:t>OS: Windows Server 2008 or higher</a:t>
             </a:r>
           </a:p>
           <a:p>
@@ -10755,7 +10586,7 @@
               <a:buChar char="•"/>
             </a:pPr>
             <a:r>
-              <a:rPr lang="en-US" sz="2400" b="1" dirty="0" smtClean="0">
+              <a:rPr lang="en-US" sz="2400" b="1" dirty="0">
                 <a:solidFill>
                   <a:sysClr val="windowText" lastClr="000000"/>
                 </a:solidFill>
@@ -10770,7 +10601,7 @@
               <a:buFont typeface="Arial" panose="020B0604020202020204" pitchFamily="34" charset="0"/>
               <a:buChar char="•"/>
             </a:pPr>
-            <a:endParaRPr lang="en-US" sz="2000" b="1" dirty="0" smtClean="0">
+            <a:endParaRPr lang="en-US" sz="2000" b="1" dirty="0">
               <a:latin typeface="Times New Roman" panose="02020603050405020304" pitchFamily="18" charset="0"/>
               <a:cs typeface="Times New Roman" panose="02020603050405020304" pitchFamily="18" charset="0"/>
             </a:endParaRPr>
@@ -11639,7 +11470,7 @@
               <a:buChar char="Ø"/>
             </a:pPr>
             <a:r>
-              <a:rPr lang="en-US" sz="2600" b="1" dirty="0" smtClean="0">
+              <a:rPr lang="en-US" sz="2600" b="1" dirty="0">
                 <a:solidFill>
                   <a:schemeClr val="tx1"/>
                 </a:solidFill>
@@ -11669,7 +11500,7 @@
               <a:t>	</a:t>
             </a:r>
             <a:r>
-              <a:rPr lang="en-US" sz="2000" b="1" dirty="0" smtClean="0">
+              <a:rPr lang="en-US" sz="2000" b="1" dirty="0">
                 <a:solidFill>
                   <a:schemeClr val="tx1"/>
                 </a:solidFill>
@@ -11685,7 +11516,7 @@
               <a:buChar char="Ø"/>
             </a:pPr>
             <a:r>
-              <a:rPr lang="en-US" sz="2600" b="1" dirty="0" smtClean="0">
+              <a:rPr lang="en-US" sz="2600" b="1" dirty="0">
                 <a:solidFill>
                   <a:schemeClr val="tx1"/>
                 </a:solidFill>
@@ -11700,7 +11531,7 @@
               <a:buNone/>
             </a:pPr>
             <a:r>
-              <a:rPr lang="en-US" sz="1800" b="1" dirty="0" smtClean="0">
+              <a:rPr lang="en-US" sz="1800" b="1" dirty="0">
                 <a:ln>
                   <a:solidFill>
                     <a:schemeClr val="tx1"/>
@@ -11715,7 +11546,7 @@
               <a:t>	</a:t>
             </a:r>
             <a:r>
-              <a:rPr lang="en-US" sz="2000" b="1" dirty="0" smtClean="0">
+              <a:rPr lang="en-US" sz="2000" b="1" dirty="0">
                 <a:solidFill>
                   <a:schemeClr val="tx1"/>
                 </a:solidFill>
@@ -11731,7 +11562,7 @@
               <a:buChar char="Ø"/>
             </a:pPr>
             <a:r>
-              <a:rPr lang="en-US" sz="2600" b="1" dirty="0" smtClean="0">
+              <a:rPr lang="en-US" sz="2600" b="1" dirty="0">
                 <a:solidFill>
                   <a:schemeClr val="tx1"/>
                 </a:solidFill>
@@ -11746,34 +11577,14 @@
               <a:buNone/>
             </a:pPr>
             <a:r>
-              <a:rPr lang="en-US" sz="2000" b="1" dirty="0" smtClean="0">
+              <a:rPr lang="en-US" sz="2000" b="1" dirty="0">
                 <a:solidFill>
                   <a:schemeClr val="tx1"/>
                 </a:solidFill>
                 <a:latin typeface="Times New Roman" panose="02020603050405020304" pitchFamily="18" charset="0"/>
                 <a:cs typeface="Times New Roman" panose="02020603050405020304" pitchFamily="18" charset="0"/>
               </a:rPr>
-              <a:t>Input Customer </a:t>
-            </a:r>
-            <a:r>
-              <a:rPr lang="en-US" sz="2000" b="1" dirty="0">
-                <a:solidFill>
-                  <a:schemeClr val="tx1"/>
-                </a:solidFill>
-                <a:latin typeface="Times New Roman" panose="02020603050405020304" pitchFamily="18" charset="0"/>
-                <a:cs typeface="Times New Roman" panose="02020603050405020304" pitchFamily="18" charset="0"/>
-              </a:rPr>
-              <a:t>, employee, product  </a:t>
-            </a:r>
-            <a:r>
-              <a:rPr lang="en-US" sz="2000" b="1" dirty="0" smtClean="0">
-                <a:solidFill>
-                  <a:schemeClr val="tx1"/>
-                </a:solidFill>
-                <a:latin typeface="Times New Roman" panose="02020603050405020304" pitchFamily="18" charset="0"/>
-                <a:cs typeface="Times New Roman" panose="02020603050405020304" pitchFamily="18" charset="0"/>
-              </a:rPr>
-              <a:t>information</a:t>
+              <a:t>Input Customer , employee, product  information</a:t>
             </a:r>
           </a:p>
           <a:p>
@@ -11781,7 +11592,7 @@
               <a:buNone/>
             </a:pPr>
             <a:r>
-              <a:rPr lang="en-US" sz="2000" b="1" dirty="0" smtClean="0">
+              <a:rPr lang="en-US" sz="2000" b="1" dirty="0">
                 <a:solidFill>
                   <a:schemeClr val="tx1"/>
                 </a:solidFill>
@@ -11796,7 +11607,7 @@
               <a:buNone/>
             </a:pPr>
             <a:r>
-              <a:rPr lang="en-US" sz="2000" b="1" dirty="0" smtClean="0">
+              <a:rPr lang="en-US" sz="2000" b="1" dirty="0">
                 <a:solidFill>
                   <a:schemeClr val="tx1"/>
                 </a:solidFill>
@@ -12933,7 +12744,7 @@
           <a:p>
             <a:pPr algn="ctr"/>
             <a:r>
-              <a:rPr lang="en-US" b="1" dirty="0" smtClean="0">
+              <a:rPr lang="en-US" b="1" dirty="0">
                 <a:ln>
                   <a:solidFill>
                     <a:srgbClr val="00B050"/>
@@ -12947,18 +12758,6 @@
               </a:rPr>
               <a:t>Database Diagram</a:t>
             </a:r>
-            <a:endParaRPr lang="en-US" b="1" dirty="0">
-              <a:ln>
-                <a:solidFill>
-                  <a:srgbClr val="00B050"/>
-                </a:solidFill>
-              </a:ln>
-              <a:solidFill>
-                <a:srgbClr val="92D050"/>
-              </a:solidFill>
-              <a:latin typeface="Times New Roman" panose="02020603050405020304" pitchFamily="18" charset="0"/>
-              <a:cs typeface="Times New Roman" panose="02020603050405020304" pitchFamily="18" charset="0"/>
-            </a:endParaRPr>
           </a:p>
         </p:txBody>
       </p:sp>
@@ -13033,7 +12832,7 @@
               <a:tabLst/>
             </a:pPr>
             <a:r>
-              <a:rPr kumimoji="0" lang="en-US" altLang="en-US" sz="1100" b="0" i="0" u="none" strike="noStrike" cap="none" normalizeH="0" baseline="0" dirty="0" smtClean="0">
+              <a:rPr kumimoji="0" lang="en-US" altLang="en-US" sz="1100" b="0" i="0" u="none" strike="noStrike" cap="none" normalizeH="0" baseline="0" dirty="0">
                 <a:ln>
                   <a:noFill/>
                 </a:ln>
@@ -13044,7 +12843,7 @@
               </a:rPr>
               <a:t> </a:t>
             </a:r>
-            <a:endParaRPr kumimoji="0" lang="en-US" altLang="en-US" sz="1800" b="0" i="0" u="none" strike="noStrike" cap="none" normalizeH="0" baseline="0" dirty="0" smtClean="0">
+            <a:endParaRPr kumimoji="0" lang="en-US" altLang="en-US" sz="1800" b="0" i="0" u="none" strike="noStrike" cap="none" normalizeH="0" baseline="0" dirty="0">
               <a:ln>
                 <a:noFill/>
               </a:ln>
@@ -13399,7 +13198,7 @@
           <a:lstStyle/>
           <a:p>
             <a:r>
-              <a:rPr lang="en-US" b="1" dirty="0" smtClean="0">
+              <a:rPr lang="en-US" b="1" dirty="0">
                 <a:ln>
                   <a:solidFill>
                     <a:srgbClr val="00B050"/>
@@ -13410,15 +13209,6 @@
               </a:rPr>
               <a:t>Class diagram</a:t>
             </a:r>
-            <a:endParaRPr lang="en-US" b="1" dirty="0">
-              <a:ln>
-                <a:solidFill>
-                  <a:srgbClr val="00B050"/>
-                </a:solidFill>
-              </a:ln>
-              <a:latin typeface="Times New Roman" panose="02020603050405020304" pitchFamily="18" charset="0"/>
-              <a:cs typeface="Times New Roman" panose="02020603050405020304" pitchFamily="18" charset="0"/>
-            </a:endParaRPr>
           </a:p>
         </p:txBody>
       </p:sp>
@@ -13486,13 +13276,6 @@
   <p:clrMapOvr>
     <a:masterClrMapping/>
   </p:clrMapOvr>
-  <p:timing>
-    <p:tnLst>
-      <p:par>
-        <p:cTn id="1" dur="indefinite" restart="never" nodeType="tmRoot"/>
-      </p:par>
-    </p:tnLst>
-  </p:timing>
 </p:sld>
 </file>
 
